--- a/耶穌耶穌(崇拜版).pptx
+++ b/耶穌耶穌(崇拜版).pptx
@@ -110,6 +110,11 @@
       </a:defRPr>
     </a:lvl9pPr>
   </p:defaultTextStyle>
+  <p:extLst>
+    <p:ext uri="{EFAFB233-063F-42B5-8137-9DF3F51BA10A}">
+      <p15:sldGuideLst xmlns:p15="http://schemas.microsoft.com/office/powerpoint/2012/main"/>
+    </p:ext>
+  </p:extLst>
 </p:presentation>
 </file>
 
@@ -294,7 +299,7 @@
           <a:p>
             <a:fld id="{85A0D2D1-EA6F-422F-8B05-64A315FC21BB}" type="datetimeFigureOut">
               <a:rPr lang="vi-VN" smtClean="0"/>
-              <a:t>13/11/2020</a:t>
+              <a:t>23/04/2022</a:t>
             </a:fld>
             <a:endParaRPr lang="vi-VN"/>
           </a:p>
@@ -464,7 +469,7 @@
           <a:p>
             <a:fld id="{85A0D2D1-EA6F-422F-8B05-64A315FC21BB}" type="datetimeFigureOut">
               <a:rPr lang="vi-VN" smtClean="0"/>
-              <a:t>13/11/2020</a:t>
+              <a:t>23/04/2022</a:t>
             </a:fld>
             <a:endParaRPr lang="vi-VN"/>
           </a:p>
@@ -644,7 +649,7 @@
           <a:p>
             <a:fld id="{85A0D2D1-EA6F-422F-8B05-64A315FC21BB}" type="datetimeFigureOut">
               <a:rPr lang="vi-VN" smtClean="0"/>
-              <a:t>13/11/2020</a:t>
+              <a:t>23/04/2022</a:t>
             </a:fld>
             <a:endParaRPr lang="vi-VN"/>
           </a:p>
@@ -814,7 +819,7 @@
           <a:p>
             <a:fld id="{85A0D2D1-EA6F-422F-8B05-64A315FC21BB}" type="datetimeFigureOut">
               <a:rPr lang="vi-VN" smtClean="0"/>
-              <a:t>13/11/2020</a:t>
+              <a:t>23/04/2022</a:t>
             </a:fld>
             <a:endParaRPr lang="vi-VN"/>
           </a:p>
@@ -1060,7 +1065,7 @@
           <a:p>
             <a:fld id="{85A0D2D1-EA6F-422F-8B05-64A315FC21BB}" type="datetimeFigureOut">
               <a:rPr lang="vi-VN" smtClean="0"/>
-              <a:t>13/11/2020</a:t>
+              <a:t>23/04/2022</a:t>
             </a:fld>
             <a:endParaRPr lang="vi-VN"/>
           </a:p>
@@ -1348,7 +1353,7 @@
           <a:p>
             <a:fld id="{85A0D2D1-EA6F-422F-8B05-64A315FC21BB}" type="datetimeFigureOut">
               <a:rPr lang="vi-VN" smtClean="0"/>
-              <a:t>13/11/2020</a:t>
+              <a:t>23/04/2022</a:t>
             </a:fld>
             <a:endParaRPr lang="vi-VN"/>
           </a:p>
@@ -1770,7 +1775,7 @@
           <a:p>
             <a:fld id="{85A0D2D1-EA6F-422F-8B05-64A315FC21BB}" type="datetimeFigureOut">
               <a:rPr lang="vi-VN" smtClean="0"/>
-              <a:t>13/11/2020</a:t>
+              <a:t>23/04/2022</a:t>
             </a:fld>
             <a:endParaRPr lang="vi-VN"/>
           </a:p>
@@ -1888,7 +1893,7 @@
           <a:p>
             <a:fld id="{85A0D2D1-EA6F-422F-8B05-64A315FC21BB}" type="datetimeFigureOut">
               <a:rPr lang="vi-VN" smtClean="0"/>
-              <a:t>13/11/2020</a:t>
+              <a:t>23/04/2022</a:t>
             </a:fld>
             <a:endParaRPr lang="vi-VN"/>
           </a:p>
@@ -1983,7 +1988,7 @@
           <a:p>
             <a:fld id="{85A0D2D1-EA6F-422F-8B05-64A315FC21BB}" type="datetimeFigureOut">
               <a:rPr lang="vi-VN" smtClean="0"/>
-              <a:t>13/11/2020</a:t>
+              <a:t>23/04/2022</a:t>
             </a:fld>
             <a:endParaRPr lang="vi-VN"/>
           </a:p>
@@ -2260,7 +2265,7 @@
           <a:p>
             <a:fld id="{85A0D2D1-EA6F-422F-8B05-64A315FC21BB}" type="datetimeFigureOut">
               <a:rPr lang="vi-VN" smtClean="0"/>
-              <a:t>13/11/2020</a:t>
+              <a:t>23/04/2022</a:t>
             </a:fld>
             <a:endParaRPr lang="vi-VN"/>
           </a:p>
@@ -2517,7 +2522,7 @@
           <a:p>
             <a:fld id="{85A0D2D1-EA6F-422F-8B05-64A315FC21BB}" type="datetimeFigureOut">
               <a:rPr lang="vi-VN" smtClean="0"/>
-              <a:t>13/11/2020</a:t>
+              <a:t>23/04/2022</a:t>
             </a:fld>
             <a:endParaRPr lang="vi-VN"/>
           </a:p>
@@ -2735,7 +2740,7 @@
           <a:p>
             <a:fld id="{85A0D2D1-EA6F-422F-8B05-64A315FC21BB}" type="datetimeFigureOut">
               <a:rPr lang="vi-VN" smtClean="0"/>
-              <a:t>13/11/2020</a:t>
+              <a:t>23/04/2022</a:t>
             </a:fld>
             <a:endParaRPr lang="vi-VN"/>
           </a:p>
@@ -3147,24 +3152,7 @@
                 <a:latin typeface="微軟正黑體" pitchFamily="34" charset="-120"/>
                 <a:ea typeface="微軟正黑體" pitchFamily="34" charset="-120"/>
               </a:rPr>
-              <a:t>耶穌  耶</a:t>
-            </a:r>
-            <a:r>
-              <a:rPr lang="zh-CN" altLang="en-US" sz="7200" b="1" i="1" dirty="0">
-                <a:solidFill>
-                  <a:srgbClr val="000066"/>
-                </a:solidFill>
-                <a:effectLst>
-                  <a:outerShdw blurRad="38100" dist="38100" dir="2700000" algn="tl">
-                    <a:srgbClr val="000000">
-                      <a:alpha val="43137"/>
-                    </a:srgbClr>
-                  </a:outerShdw>
-                </a:effectLst>
-                <a:latin typeface="微軟正黑體" pitchFamily="34" charset="-120"/>
-                <a:ea typeface="微軟正黑體" pitchFamily="34" charset="-120"/>
-              </a:rPr>
-              <a:t>穌</a:t>
+              <a:t>耶穌  耶穌</a:t>
             </a:r>
           </a:p>
         </p:txBody>
@@ -3232,67 +3220,7 @@
                 <a:latin typeface="微軟正黑體" pitchFamily="34" charset="-120"/>
                 <a:ea typeface="微軟正黑體" pitchFamily="34" charset="-120"/>
               </a:rPr>
-              <a:t>耶</a:t>
-            </a:r>
-            <a:r>
-              <a:rPr lang="zh-TW" altLang="en-US" sz="6400" b="1" dirty="0">
-                <a:solidFill>
-                  <a:srgbClr val="000066"/>
-                </a:solidFill>
-                <a:latin typeface="微軟正黑體" pitchFamily="34" charset="-120"/>
-                <a:ea typeface="微軟正黑體" pitchFamily="34" charset="-120"/>
-              </a:rPr>
-              <a:t>穌 </a:t>
-            </a:r>
-            <a:r>
-              <a:rPr lang="zh-TW" altLang="en-US" sz="6400" b="1" dirty="0">
-                <a:solidFill>
-                  <a:srgbClr val="000066"/>
-                </a:solidFill>
-                <a:latin typeface="微軟正黑體" pitchFamily="34" charset="-120"/>
-                <a:ea typeface="微軟正黑體" pitchFamily="34" charset="-120"/>
-              </a:rPr>
-              <a:t> 喔  耶</a:t>
-            </a:r>
-            <a:r>
-              <a:rPr lang="zh-TW" altLang="en-US" sz="6400" b="1" dirty="0">
-                <a:solidFill>
-                  <a:srgbClr val="000066"/>
-                </a:solidFill>
-                <a:latin typeface="微軟正黑體" pitchFamily="34" charset="-120"/>
-                <a:ea typeface="微軟正黑體" pitchFamily="34" charset="-120"/>
-              </a:rPr>
-              <a:t>穌 </a:t>
-            </a:r>
-            <a:r>
-              <a:rPr lang="zh-TW" altLang="en-US" sz="6400" b="1" dirty="0">
-                <a:solidFill>
-                  <a:srgbClr val="000066"/>
-                </a:solidFill>
-                <a:latin typeface="微軟正黑體" pitchFamily="34" charset="-120"/>
-                <a:ea typeface="微軟正黑體" pitchFamily="34" charset="-120"/>
-              </a:rPr>
-              <a:t> 聖</a:t>
-            </a:r>
-            <a:r>
-              <a:rPr lang="zh-TW" altLang="en-US" sz="6400" b="1" dirty="0">
-                <a:solidFill>
-                  <a:srgbClr val="000066"/>
-                </a:solidFill>
-                <a:latin typeface="微軟正黑體" pitchFamily="34" charset="-120"/>
-                <a:ea typeface="微軟正黑體" pitchFamily="34" charset="-120"/>
-              </a:rPr>
-              <a:t>潔的救贖</a:t>
-            </a:r>
-            <a:r>
-              <a:rPr lang="zh-TW" altLang="en-US" sz="6400" b="1" dirty="0">
-                <a:solidFill>
-                  <a:srgbClr val="000066"/>
-                </a:solidFill>
-                <a:latin typeface="微軟正黑體" pitchFamily="34" charset="-120"/>
-                <a:ea typeface="微軟正黑體" pitchFamily="34" charset="-120"/>
-              </a:rPr>
-              <a:t>主</a:t>
+              <a:t>耶穌  喔  耶穌  聖潔的救贖主</a:t>
             </a:r>
             <a:endParaRPr lang="en-US" altLang="zh-TW" sz="6400" b="1" dirty="0">
               <a:solidFill>
@@ -3314,57 +3242,7 @@
                 <a:latin typeface="微軟正黑體" pitchFamily="34" charset="-120"/>
                 <a:ea typeface="微軟正黑體" pitchFamily="34" charset="-120"/>
               </a:rPr>
-              <a:t>耶</a:t>
-            </a:r>
-            <a:r>
-              <a:rPr lang="zh-TW" altLang="en-US" sz="6400" b="1" dirty="0">
-                <a:solidFill>
-                  <a:srgbClr val="000066"/>
-                </a:solidFill>
-                <a:latin typeface="微軟正黑體" pitchFamily="34" charset="-120"/>
-                <a:ea typeface="微軟正黑體" pitchFamily="34" charset="-120"/>
-              </a:rPr>
-              <a:t>穌 </a:t>
-            </a:r>
-            <a:r>
-              <a:rPr lang="zh-TW" altLang="en-US" sz="6400" b="1" dirty="0">
-                <a:solidFill>
-                  <a:srgbClr val="000066"/>
-                </a:solidFill>
-                <a:latin typeface="微軟正黑體" pitchFamily="34" charset="-120"/>
-                <a:ea typeface="微軟正黑體" pitchFamily="34" charset="-120"/>
-              </a:rPr>
-              <a:t> 耶</a:t>
-            </a:r>
-            <a:r>
-              <a:rPr lang="zh-TW" altLang="en-US" sz="6400" b="1" dirty="0">
-                <a:solidFill>
-                  <a:srgbClr val="000066"/>
-                </a:solidFill>
-                <a:latin typeface="微軟正黑體" pitchFamily="34" charset="-120"/>
-                <a:ea typeface="微軟正黑體" pitchFamily="34" charset="-120"/>
-              </a:rPr>
-              <a:t>穌 </a:t>
-            </a:r>
-            <a:r>
-              <a:rPr lang="zh-TW" altLang="en-US" sz="6400" b="1" dirty="0">
-                <a:solidFill>
-                  <a:srgbClr val="000066"/>
-                </a:solidFill>
-                <a:latin typeface="微軟正黑體" pitchFamily="34" charset="-120"/>
-                <a:ea typeface="微軟正黑體" pitchFamily="34" charset="-120"/>
-              </a:rPr>
-              <a:t> 豐</a:t>
-            </a:r>
-            <a:r>
-              <a:rPr lang="zh-TW" altLang="en-US" sz="6400" b="1" dirty="0">
-                <a:solidFill>
-                  <a:srgbClr val="000066"/>
-                </a:solidFill>
-                <a:latin typeface="微軟正黑體" pitchFamily="34" charset="-120"/>
-                <a:ea typeface="微軟正黑體" pitchFamily="34" charset="-120"/>
-              </a:rPr>
-              <a:t>富賞賜者</a:t>
+              <a:t>耶穌  耶穌  豐富賞賜者</a:t>
             </a:r>
             <a:endParaRPr lang="en-US" altLang="zh-TW" sz="6400" b="1" dirty="0">
               <a:solidFill>
@@ -3372,6 +3250,72 @@
               </a:solidFill>
               <a:latin typeface="微軟正黑體" pitchFamily="34" charset="-120"/>
               <a:ea typeface="微軟正黑體" pitchFamily="34" charset="-120"/>
+            </a:endParaRPr>
+          </a:p>
+        </p:txBody>
+      </p:sp>
+      <p:sp>
+        <p:nvSpPr>
+          <p:cNvPr id="3" name="TextBox 2"/>
+          <p:cNvSpPr txBox="1"/>
+          <p:nvPr/>
+        </p:nvSpPr>
+        <p:spPr>
+          <a:xfrm>
+            <a:off x="0" y="5089674"/>
+            <a:ext cx="12192000" cy="769441"/>
+          </a:xfrm>
+          <a:prstGeom prst="rect">
+            <a:avLst/>
+          </a:prstGeom>
+          <a:noFill/>
+        </p:spPr>
+        <p:txBody>
+          <a:bodyPr wrap="square" rtlCol="0" anchor="ctr">
+            <a:spAutoFit/>
+          </a:bodyPr>
+          <a:lstStyle/>
+          <a:p>
+            <a:pPr algn="ctr"/>
+            <a:r>
+              <a:rPr lang="en-US" sz="4400" b="1" dirty="0">
+                <a:solidFill>
+                  <a:srgbClr val="000066"/>
+                </a:solidFill>
+                <a:effectLst/>
+                <a:latin typeface="Microsoft JhengHei" panose="020B0604030504040204" pitchFamily="34" charset="-120"/>
+                <a:ea typeface="Microsoft JhengHei" panose="020B0604030504040204" pitchFamily="34" charset="-120"/>
+              </a:rPr>
+              <a:t>( </a:t>
+            </a:r>
+            <a:r>
+              <a:rPr lang="zh-CN" altLang="en-US" sz="4400" b="1" dirty="0">
+                <a:solidFill>
+                  <a:srgbClr val="000066"/>
+                </a:solidFill>
+                <a:effectLst/>
+                <a:latin typeface="Microsoft JhengHei" panose="020B0604030504040204" pitchFamily="34" charset="-120"/>
+                <a:ea typeface="Microsoft JhengHei" panose="020B0604030504040204" pitchFamily="34" charset="-120"/>
+              </a:rPr>
+              <a:t>正</a:t>
+            </a:r>
+            <a:r>
+              <a:rPr lang="en-US" sz="4400" b="1" dirty="0">
+                <a:solidFill>
+                  <a:srgbClr val="000066"/>
+                </a:solidFill>
+                <a:effectLst/>
+                <a:latin typeface="Microsoft JhengHei" panose="020B0604030504040204" pitchFamily="34" charset="-120"/>
+                <a:ea typeface="Microsoft JhengHei" panose="020B0604030504040204" pitchFamily="34" charset="-120"/>
+              </a:rPr>
+              <a:t> )</a:t>
+            </a:r>
+            <a:endParaRPr lang="vi-VN" sz="4400" b="1" dirty="0">
+              <a:solidFill>
+                <a:srgbClr val="000066"/>
+              </a:solidFill>
+              <a:effectLst/>
+              <a:ea typeface="Microsoft JhengHei" panose="020B0604030504040204" pitchFamily="34" charset="-120"/>
             </a:endParaRPr>
           </a:p>
         </p:txBody>
@@ -3439,37 +3383,7 @@
                 <a:latin typeface="微軟正黑體" pitchFamily="34" charset="-120"/>
                 <a:ea typeface="微軟正黑體" pitchFamily="34" charset="-120"/>
               </a:rPr>
-              <a:t>耶穌 </a:t>
-            </a:r>
-            <a:r>
-              <a:rPr lang="zh-TW" altLang="en-US" sz="6400" b="1" dirty="0">
-                <a:solidFill>
-                  <a:srgbClr val="000066"/>
-                </a:solidFill>
-                <a:latin typeface="微軟正黑體" pitchFamily="34" charset="-120"/>
-                <a:ea typeface="微軟正黑體" pitchFamily="34" charset="-120"/>
-              </a:rPr>
-              <a:t> 喔  耶穌  </a:t>
-            </a:r>
-            <a:r>
-              <a:rPr lang="zh-TW" altLang="en-US" sz="6400" b="1" dirty="0">
-                <a:solidFill>
-                  <a:srgbClr val="000066"/>
-                </a:solidFill>
-                <a:latin typeface="微軟正黑體" pitchFamily="34" charset="-120"/>
-                <a:ea typeface="微軟正黑體" pitchFamily="34" charset="-120"/>
-              </a:rPr>
-              <a:t>至高的得勝</a:t>
-            </a:r>
-            <a:r>
-              <a:rPr lang="zh-TW" altLang="en-US" sz="6400" b="1" dirty="0">
-                <a:solidFill>
-                  <a:srgbClr val="000066"/>
-                </a:solidFill>
-                <a:latin typeface="微軟正黑體" pitchFamily="34" charset="-120"/>
-                <a:ea typeface="微軟正黑體" pitchFamily="34" charset="-120"/>
-              </a:rPr>
-              <a:t>者</a:t>
+              <a:t>耶穌  喔  耶穌  至高的得勝者</a:t>
             </a:r>
             <a:endParaRPr lang="en-US" altLang="zh-TW" sz="6400" b="1" dirty="0">
               <a:solidFill>
@@ -3491,57 +3405,7 @@
                 <a:latin typeface="微軟正黑體" pitchFamily="34" charset="-120"/>
                 <a:ea typeface="微軟正黑體" pitchFamily="34" charset="-120"/>
               </a:rPr>
-              <a:t>耶</a:t>
-            </a:r>
-            <a:r>
-              <a:rPr lang="zh-TW" altLang="en-US" sz="6400" b="1" dirty="0">
-                <a:solidFill>
-                  <a:srgbClr val="000066"/>
-                </a:solidFill>
-                <a:latin typeface="微軟正黑體" pitchFamily="34" charset="-120"/>
-                <a:ea typeface="微軟正黑體" pitchFamily="34" charset="-120"/>
-              </a:rPr>
-              <a:t>穌 </a:t>
-            </a:r>
-            <a:r>
-              <a:rPr lang="zh-TW" altLang="en-US" sz="6400" b="1" dirty="0">
-                <a:solidFill>
-                  <a:srgbClr val="000066"/>
-                </a:solidFill>
-                <a:latin typeface="微軟正黑體" pitchFamily="34" charset="-120"/>
-                <a:ea typeface="微軟正黑體" pitchFamily="34" charset="-120"/>
-              </a:rPr>
-              <a:t> 耶</a:t>
-            </a:r>
-            <a:r>
-              <a:rPr lang="zh-TW" altLang="en-US" sz="6400" b="1" dirty="0">
-                <a:solidFill>
-                  <a:srgbClr val="000066"/>
-                </a:solidFill>
-                <a:latin typeface="微軟正黑體" pitchFamily="34" charset="-120"/>
-                <a:ea typeface="微軟正黑體" pitchFamily="34" charset="-120"/>
-              </a:rPr>
-              <a:t>穌 </a:t>
-            </a:r>
-            <a:r>
-              <a:rPr lang="zh-TW" altLang="en-US" sz="6400" b="1" dirty="0">
-                <a:solidFill>
-                  <a:srgbClr val="000066"/>
-                </a:solidFill>
-                <a:latin typeface="微軟正黑體" pitchFamily="34" charset="-120"/>
-                <a:ea typeface="微軟正黑體" pitchFamily="34" charset="-120"/>
-              </a:rPr>
-              <a:t> 全</a:t>
-            </a:r>
-            <a:r>
-              <a:rPr lang="zh-TW" altLang="en-US" sz="6400" b="1" dirty="0">
-                <a:solidFill>
-                  <a:srgbClr val="000066"/>
-                </a:solidFill>
-                <a:latin typeface="微軟正黑體" pitchFamily="34" charset="-120"/>
-                <a:ea typeface="微軟正黑體" pitchFamily="34" charset="-120"/>
-              </a:rPr>
-              <a:t>能醫治主</a:t>
+              <a:t>耶穌  耶穌  全能醫治主</a:t>
             </a:r>
             <a:endParaRPr lang="en-US" altLang="zh-TW" sz="6400" b="1" dirty="0">
               <a:solidFill>
@@ -3549,6 +3413,72 @@
               </a:solidFill>
               <a:latin typeface="微軟正黑體" pitchFamily="34" charset="-120"/>
               <a:ea typeface="微軟正黑體" pitchFamily="34" charset="-120"/>
+            </a:endParaRPr>
+          </a:p>
+        </p:txBody>
+      </p:sp>
+      <p:sp>
+        <p:nvSpPr>
+          <p:cNvPr id="3" name="TextBox 2"/>
+          <p:cNvSpPr txBox="1"/>
+          <p:nvPr/>
+        </p:nvSpPr>
+        <p:spPr>
+          <a:xfrm>
+            <a:off x="0" y="5089674"/>
+            <a:ext cx="12192000" cy="769441"/>
+          </a:xfrm>
+          <a:prstGeom prst="rect">
+            <a:avLst/>
+          </a:prstGeom>
+          <a:noFill/>
+        </p:spPr>
+        <p:txBody>
+          <a:bodyPr wrap="square" rtlCol="0" anchor="ctr">
+            <a:spAutoFit/>
+          </a:bodyPr>
+          <a:lstStyle/>
+          <a:p>
+            <a:pPr algn="ctr"/>
+            <a:r>
+              <a:rPr lang="en-US" sz="4400" b="1" dirty="0">
+                <a:solidFill>
+                  <a:srgbClr val="000066"/>
+                </a:solidFill>
+                <a:effectLst/>
+                <a:latin typeface="Microsoft JhengHei" panose="020B0604030504040204" pitchFamily="34" charset="-120"/>
+                <a:ea typeface="Microsoft JhengHei" panose="020B0604030504040204" pitchFamily="34" charset="-120"/>
+              </a:rPr>
+              <a:t>( </a:t>
+            </a:r>
+            <a:r>
+              <a:rPr lang="zh-CN" altLang="en-US" sz="4400" b="1" dirty="0">
+                <a:solidFill>
+                  <a:srgbClr val="000066"/>
+                </a:solidFill>
+                <a:effectLst/>
+                <a:latin typeface="Microsoft JhengHei" panose="020B0604030504040204" pitchFamily="34" charset="-120"/>
+                <a:ea typeface="Microsoft JhengHei" panose="020B0604030504040204" pitchFamily="34" charset="-120"/>
+              </a:rPr>
+              <a:t>正</a:t>
+            </a:r>
+            <a:r>
+              <a:rPr lang="en-US" sz="4400" b="1" dirty="0">
+                <a:solidFill>
+                  <a:srgbClr val="000066"/>
+                </a:solidFill>
+                <a:effectLst/>
+                <a:latin typeface="Microsoft JhengHei" panose="020B0604030504040204" pitchFamily="34" charset="-120"/>
+                <a:ea typeface="Microsoft JhengHei" panose="020B0604030504040204" pitchFamily="34" charset="-120"/>
+              </a:rPr>
+              <a:t> )</a:t>
+            </a:r>
+            <a:endParaRPr lang="vi-VN" sz="4400" b="1" dirty="0">
+              <a:solidFill>
+                <a:srgbClr val="000066"/>
+              </a:solidFill>
+              <a:effectLst/>
+              <a:ea typeface="Microsoft JhengHei" panose="020B0604030504040204" pitchFamily="34" charset="-120"/>
             </a:endParaRPr>
           </a:p>
         </p:txBody>
@@ -3616,37 +3546,7 @@
                 <a:latin typeface="微軟正黑體" pitchFamily="34" charset="-120"/>
                 <a:ea typeface="微軟正黑體" pitchFamily="34" charset="-120"/>
               </a:rPr>
-              <a:t>讓凡</a:t>
-            </a:r>
-            <a:r>
-              <a:rPr lang="zh-TW" altLang="en-US" sz="6400" b="1" dirty="0">
-                <a:solidFill>
-                  <a:srgbClr val="000066"/>
-                </a:solidFill>
-                <a:latin typeface="微軟正黑體" pitchFamily="34" charset="-120"/>
-                <a:ea typeface="微軟正黑體" pitchFamily="34" charset="-120"/>
-              </a:rPr>
-              <a:t>有氣</a:t>
-            </a:r>
-            <a:r>
-              <a:rPr lang="zh-TW" altLang="en-US" sz="6400" b="1" dirty="0">
-                <a:solidFill>
-                  <a:srgbClr val="000066"/>
-                </a:solidFill>
-                <a:latin typeface="微軟正黑體" pitchFamily="34" charset="-120"/>
-                <a:ea typeface="微軟正黑體" pitchFamily="34" charset="-120"/>
-              </a:rPr>
-              <a:t>息都</a:t>
-            </a:r>
-            <a:r>
-              <a:rPr lang="zh-TW" altLang="en-US" sz="6400" b="1" dirty="0">
-                <a:solidFill>
-                  <a:srgbClr val="000066"/>
-                </a:solidFill>
-                <a:latin typeface="微軟正黑體" pitchFamily="34" charset="-120"/>
-                <a:ea typeface="微軟正黑體" pitchFamily="34" charset="-120"/>
-              </a:rPr>
-              <a:t>說</a:t>
+              <a:t>讓凡有氣息都說</a:t>
             </a:r>
             <a:endParaRPr lang="en-US" altLang="zh-TW" sz="6400" b="1" dirty="0">
               <a:solidFill>
@@ -3668,47 +3568,7 @@
                 <a:latin typeface="微軟正黑體" pitchFamily="34" charset="-120"/>
                 <a:ea typeface="微軟正黑體" pitchFamily="34" charset="-120"/>
               </a:rPr>
-              <a:t>聖</a:t>
-            </a:r>
-            <a:r>
-              <a:rPr lang="zh-TW" altLang="en-US" sz="6400" b="1" dirty="0">
-                <a:solidFill>
-                  <a:srgbClr val="000066"/>
-                </a:solidFill>
-                <a:latin typeface="微軟正黑體" pitchFamily="34" charset="-120"/>
-                <a:ea typeface="微軟正黑體" pitchFamily="34" charset="-120"/>
-              </a:rPr>
-              <a:t>哉 </a:t>
-            </a:r>
-            <a:r>
-              <a:rPr lang="zh-TW" altLang="en-US" sz="6400" b="1" dirty="0">
-                <a:solidFill>
-                  <a:srgbClr val="000066"/>
-                </a:solidFill>
-                <a:latin typeface="微軟正黑體" pitchFamily="34" charset="-120"/>
-                <a:ea typeface="微軟正黑體" pitchFamily="34" charset="-120"/>
-              </a:rPr>
-              <a:t> 聖</a:t>
-            </a:r>
-            <a:r>
-              <a:rPr lang="zh-TW" altLang="en-US" sz="6400" b="1" dirty="0">
-                <a:solidFill>
-                  <a:srgbClr val="000066"/>
-                </a:solidFill>
-                <a:latin typeface="微軟正黑體" pitchFamily="34" charset="-120"/>
-                <a:ea typeface="微軟正黑體" pitchFamily="34" charset="-120"/>
-              </a:rPr>
-              <a:t>哉 </a:t>
-            </a:r>
-            <a:r>
-              <a:rPr lang="zh-TW" altLang="en-US" sz="6400" b="1" dirty="0">
-                <a:solidFill>
-                  <a:srgbClr val="000066"/>
-                </a:solidFill>
-                <a:latin typeface="微軟正黑體" pitchFamily="34" charset="-120"/>
-                <a:ea typeface="微軟正黑體" pitchFamily="34" charset="-120"/>
-              </a:rPr>
-              <a:t> 聖哉</a:t>
+              <a:t>聖哉  聖哉  聖哉</a:t>
             </a:r>
             <a:endParaRPr lang="en-US" altLang="zh-TW" sz="6400" b="1" dirty="0">
               <a:solidFill>
@@ -3716,6 +3576,83 @@
               </a:solidFill>
               <a:latin typeface="微軟正黑體" pitchFamily="34" charset="-120"/>
               <a:ea typeface="微軟正黑體" pitchFamily="34" charset="-120"/>
+            </a:endParaRPr>
+          </a:p>
+        </p:txBody>
+      </p:sp>
+      <p:sp>
+        <p:nvSpPr>
+          <p:cNvPr id="3" name="TextBox 2"/>
+          <p:cNvSpPr txBox="1"/>
+          <p:nvPr/>
+        </p:nvSpPr>
+        <p:spPr>
+          <a:xfrm>
+            <a:off x="0" y="5089674"/>
+            <a:ext cx="12192000" cy="769441"/>
+          </a:xfrm>
+          <a:prstGeom prst="rect">
+            <a:avLst/>
+          </a:prstGeom>
+          <a:noFill/>
+        </p:spPr>
+        <p:txBody>
+          <a:bodyPr wrap="square" rtlCol="0" anchor="ctr">
+            <a:spAutoFit/>
+          </a:bodyPr>
+          <a:lstStyle/>
+          <a:p>
+            <a:pPr algn="ctr"/>
+            <a:r>
+              <a:rPr lang="en-US" sz="4400" b="1" dirty="0">
+                <a:solidFill>
+                  <a:srgbClr val="000066"/>
+                </a:solidFill>
+                <a:effectLst/>
+                <a:latin typeface="Microsoft JhengHei" panose="020B0604030504040204" pitchFamily="34" charset="-120"/>
+                <a:ea typeface="Microsoft JhengHei" panose="020B0604030504040204" pitchFamily="34" charset="-120"/>
+              </a:rPr>
+              <a:t>( </a:t>
+            </a:r>
+            <a:r>
+              <a:rPr lang="zh-CN" altLang="en-US" sz="4400" b="1" dirty="0" smtClean="0">
+                <a:solidFill>
+                  <a:srgbClr val="000066"/>
+                </a:solidFill>
+                <a:effectLst/>
+                <a:latin typeface="Microsoft JhengHei" panose="020B0604030504040204" pitchFamily="34" charset="-120"/>
+                <a:ea typeface="Microsoft JhengHei" panose="020B0604030504040204" pitchFamily="34" charset="-120"/>
+              </a:rPr>
+              <a:t>副</a:t>
+            </a:r>
+            <a:r>
+              <a:rPr lang="en-US" sz="4400" b="1" dirty="0" smtClean="0">
+                <a:solidFill>
+                  <a:srgbClr val="000066"/>
+                </a:solidFill>
+                <a:effectLst/>
+                <a:latin typeface="Microsoft JhengHei" panose="020B0604030504040204" pitchFamily="34" charset="-120"/>
+                <a:ea typeface="Microsoft JhengHei" panose="020B0604030504040204" pitchFamily="34" charset="-120"/>
+              </a:rPr>
+              <a:t> </a:t>
+            </a:r>
+            <a:r>
+              <a:rPr lang="en-US" sz="4400" b="1" dirty="0">
+                <a:solidFill>
+                  <a:srgbClr val="000066"/>
+                </a:solidFill>
+                <a:effectLst/>
+                <a:latin typeface="Microsoft JhengHei" panose="020B0604030504040204" pitchFamily="34" charset="-120"/>
+                <a:ea typeface="Microsoft JhengHei" panose="020B0604030504040204" pitchFamily="34" charset="-120"/>
+              </a:rPr>
+              <a:t>)</a:t>
+            </a:r>
+            <a:endParaRPr lang="vi-VN" sz="4400" b="1" dirty="0">
+              <a:solidFill>
+                <a:srgbClr val="000066"/>
+              </a:solidFill>
+              <a:effectLst/>
+              <a:ea typeface="Microsoft JhengHei" panose="020B0604030504040204" pitchFamily="34" charset="-120"/>
             </a:endParaRPr>
           </a:p>
         </p:txBody>
@@ -3776,24 +3713,34 @@
               <a:buNone/>
             </a:pPr>
             <a:r>
-              <a:rPr lang="zh-TW" altLang="en-US" sz="6400" b="1" dirty="0">
+              <a:rPr lang="zh-CN" altLang="en-US" sz="6400" b="1" dirty="0" smtClean="0">
                 <a:solidFill>
                   <a:srgbClr val="000066"/>
                 </a:solidFill>
                 <a:latin typeface="微軟正黑體" pitchFamily="34" charset="-120"/>
                 <a:ea typeface="微軟正黑體" pitchFamily="34" charset="-120"/>
               </a:rPr>
-              <a:t>你是昔在永在的全能</a:t>
-            </a:r>
-            <a:r>
-              <a:rPr lang="zh-TW" altLang="en-US" sz="6400" b="1" dirty="0">
+              <a:t>袮</a:t>
+            </a:r>
+            <a:r>
+              <a:rPr lang="zh-TW" altLang="en-US" sz="6400" b="1" dirty="0" smtClean="0">
                 <a:solidFill>
                   <a:srgbClr val="000066"/>
                 </a:solidFill>
                 <a:latin typeface="微軟正黑體" pitchFamily="34" charset="-120"/>
                 <a:ea typeface="微軟正黑體" pitchFamily="34" charset="-120"/>
               </a:rPr>
-              <a:t>主</a:t>
+              <a:t>是</a:t>
+            </a:r>
+            <a:r>
+              <a:rPr lang="zh-TW" altLang="en-US" sz="6400" b="1" dirty="0">
+                <a:solidFill>
+                  <a:srgbClr val="000066"/>
+                </a:solidFill>
+                <a:latin typeface="微軟正黑體" pitchFamily="34" charset="-120"/>
+                <a:ea typeface="微軟正黑體" pitchFamily="34" charset="-120"/>
+              </a:rPr>
+              <a:t>昔在永在的全能主</a:t>
             </a:r>
             <a:endParaRPr lang="en-US" altLang="zh-TW" sz="6400" b="1" dirty="0">
               <a:solidFill>
@@ -3815,17 +3762,7 @@
                 <a:latin typeface="微軟正黑體" pitchFamily="34" charset="-120"/>
                 <a:ea typeface="微軟正黑體" pitchFamily="34" charset="-120"/>
               </a:rPr>
-              <a:t>永</a:t>
-            </a:r>
-            <a:r>
-              <a:rPr lang="zh-TW" altLang="en-US" sz="6400" b="1" dirty="0">
-                <a:solidFill>
-                  <a:srgbClr val="000066"/>
-                </a:solidFill>
-                <a:latin typeface="微軟正黑體" pitchFamily="34" charset="-120"/>
-                <a:ea typeface="微軟正黑體" pitchFamily="34" charset="-120"/>
-              </a:rPr>
-              <a:t>不改變</a:t>
+              <a:t>永不改變</a:t>
             </a:r>
             <a:endParaRPr lang="en-US" altLang="zh-TW" sz="6400" b="1" dirty="0">
               <a:solidFill>
@@ -3833,6 +3770,83 @@
               </a:solidFill>
               <a:latin typeface="微軟正黑體" pitchFamily="34" charset="-120"/>
               <a:ea typeface="微軟正黑體" pitchFamily="34" charset="-120"/>
+            </a:endParaRPr>
+          </a:p>
+        </p:txBody>
+      </p:sp>
+      <p:sp>
+        <p:nvSpPr>
+          <p:cNvPr id="3" name="TextBox 2"/>
+          <p:cNvSpPr txBox="1"/>
+          <p:nvPr/>
+        </p:nvSpPr>
+        <p:spPr>
+          <a:xfrm>
+            <a:off x="0" y="5089674"/>
+            <a:ext cx="12192000" cy="769441"/>
+          </a:xfrm>
+          <a:prstGeom prst="rect">
+            <a:avLst/>
+          </a:prstGeom>
+          <a:noFill/>
+        </p:spPr>
+        <p:txBody>
+          <a:bodyPr wrap="square" rtlCol="0" anchor="ctr">
+            <a:spAutoFit/>
+          </a:bodyPr>
+          <a:lstStyle/>
+          <a:p>
+            <a:pPr algn="ctr"/>
+            <a:r>
+              <a:rPr lang="en-US" sz="4400" b="1" dirty="0">
+                <a:solidFill>
+                  <a:srgbClr val="000066"/>
+                </a:solidFill>
+                <a:effectLst/>
+                <a:latin typeface="Microsoft JhengHei" panose="020B0604030504040204" pitchFamily="34" charset="-120"/>
+                <a:ea typeface="Microsoft JhengHei" panose="020B0604030504040204" pitchFamily="34" charset="-120"/>
+              </a:rPr>
+              <a:t>( </a:t>
+            </a:r>
+            <a:r>
+              <a:rPr lang="zh-CN" altLang="en-US" sz="4400" b="1" dirty="0" smtClean="0">
+                <a:solidFill>
+                  <a:srgbClr val="000066"/>
+                </a:solidFill>
+                <a:effectLst/>
+                <a:latin typeface="Microsoft JhengHei" panose="020B0604030504040204" pitchFamily="34" charset="-120"/>
+                <a:ea typeface="Microsoft JhengHei" panose="020B0604030504040204" pitchFamily="34" charset="-120"/>
+              </a:rPr>
+              <a:t>副</a:t>
+            </a:r>
+            <a:r>
+              <a:rPr lang="en-US" sz="4400" b="1" dirty="0" smtClean="0">
+                <a:solidFill>
+                  <a:srgbClr val="000066"/>
+                </a:solidFill>
+                <a:effectLst/>
+                <a:latin typeface="Microsoft JhengHei" panose="020B0604030504040204" pitchFamily="34" charset="-120"/>
+                <a:ea typeface="Microsoft JhengHei" panose="020B0604030504040204" pitchFamily="34" charset="-120"/>
+              </a:rPr>
+              <a:t> </a:t>
+            </a:r>
+            <a:r>
+              <a:rPr lang="en-US" sz="4400" b="1" dirty="0">
+                <a:solidFill>
+                  <a:srgbClr val="000066"/>
+                </a:solidFill>
+                <a:effectLst/>
+                <a:latin typeface="Microsoft JhengHei" panose="020B0604030504040204" pitchFamily="34" charset="-120"/>
+                <a:ea typeface="Microsoft JhengHei" panose="020B0604030504040204" pitchFamily="34" charset="-120"/>
+              </a:rPr>
+              <a:t>)</a:t>
+            </a:r>
+            <a:endParaRPr lang="vi-VN" sz="4400" b="1" dirty="0">
+              <a:solidFill>
+                <a:srgbClr val="000066"/>
+              </a:solidFill>
+              <a:effectLst/>
+              <a:ea typeface="Microsoft JhengHei" panose="020B0604030504040204" pitchFamily="34" charset="-120"/>
             </a:endParaRPr>
           </a:p>
         </p:txBody>
@@ -3900,37 +3914,7 @@
                 <a:latin typeface="微軟正黑體" pitchFamily="34" charset="-120"/>
                 <a:ea typeface="微軟正黑體" pitchFamily="34" charset="-120"/>
               </a:rPr>
-              <a:t>讓凡</a:t>
-            </a:r>
-            <a:r>
-              <a:rPr lang="zh-TW" altLang="en-US" sz="6400" b="1" dirty="0">
-                <a:solidFill>
-                  <a:srgbClr val="000066"/>
-                </a:solidFill>
-                <a:latin typeface="微軟正黑體" pitchFamily="34" charset="-120"/>
-                <a:ea typeface="微軟正黑體" pitchFamily="34" charset="-120"/>
-              </a:rPr>
-              <a:t>有氣</a:t>
-            </a:r>
-            <a:r>
-              <a:rPr lang="zh-TW" altLang="en-US" sz="6400" b="1" dirty="0">
-                <a:solidFill>
-                  <a:srgbClr val="000066"/>
-                </a:solidFill>
-                <a:latin typeface="微軟正黑體" pitchFamily="34" charset="-120"/>
-                <a:ea typeface="微軟正黑體" pitchFamily="34" charset="-120"/>
-              </a:rPr>
-              <a:t>息都</a:t>
-            </a:r>
-            <a:r>
-              <a:rPr lang="zh-TW" altLang="en-US" sz="6400" b="1" dirty="0">
-                <a:solidFill>
-                  <a:srgbClr val="000066"/>
-                </a:solidFill>
-                <a:latin typeface="微軟正黑體" pitchFamily="34" charset="-120"/>
-                <a:ea typeface="微軟正黑體" pitchFamily="34" charset="-120"/>
-              </a:rPr>
-              <a:t>說</a:t>
+              <a:t>讓凡有氣息都說</a:t>
             </a:r>
             <a:endParaRPr lang="en-US" altLang="zh-TW" sz="6400" b="1" dirty="0">
               <a:solidFill>
@@ -3952,47 +3936,7 @@
                 <a:latin typeface="微軟正黑體" pitchFamily="34" charset="-120"/>
                 <a:ea typeface="微軟正黑體" pitchFamily="34" charset="-120"/>
               </a:rPr>
-              <a:t>聖</a:t>
-            </a:r>
-            <a:r>
-              <a:rPr lang="zh-TW" altLang="en-US" sz="6400" b="1" dirty="0">
-                <a:solidFill>
-                  <a:srgbClr val="000066"/>
-                </a:solidFill>
-                <a:latin typeface="微軟正黑體" pitchFamily="34" charset="-120"/>
-                <a:ea typeface="微軟正黑體" pitchFamily="34" charset="-120"/>
-              </a:rPr>
-              <a:t>哉 </a:t>
-            </a:r>
-            <a:r>
-              <a:rPr lang="zh-TW" altLang="en-US" sz="6400" b="1" dirty="0">
-                <a:solidFill>
-                  <a:srgbClr val="000066"/>
-                </a:solidFill>
-                <a:latin typeface="微軟正黑體" pitchFamily="34" charset="-120"/>
-                <a:ea typeface="微軟正黑體" pitchFamily="34" charset="-120"/>
-              </a:rPr>
-              <a:t> 聖</a:t>
-            </a:r>
-            <a:r>
-              <a:rPr lang="zh-TW" altLang="en-US" sz="6400" b="1" dirty="0">
-                <a:solidFill>
-                  <a:srgbClr val="000066"/>
-                </a:solidFill>
-                <a:latin typeface="微軟正黑體" pitchFamily="34" charset="-120"/>
-                <a:ea typeface="微軟正黑體" pitchFamily="34" charset="-120"/>
-              </a:rPr>
-              <a:t>哉 </a:t>
-            </a:r>
-            <a:r>
-              <a:rPr lang="zh-TW" altLang="en-US" sz="6400" b="1" dirty="0">
-                <a:solidFill>
-                  <a:srgbClr val="000066"/>
-                </a:solidFill>
-                <a:latin typeface="微軟正黑體" pitchFamily="34" charset="-120"/>
-                <a:ea typeface="微軟正黑體" pitchFamily="34" charset="-120"/>
-              </a:rPr>
-              <a:t> 聖哉</a:t>
+              <a:t>聖哉  聖哉  聖哉</a:t>
             </a:r>
             <a:endParaRPr lang="en-US" altLang="zh-TW" sz="6400" b="1" dirty="0">
               <a:solidFill>
@@ -4000,6 +3944,83 @@
               </a:solidFill>
               <a:latin typeface="微軟正黑體" pitchFamily="34" charset="-120"/>
               <a:ea typeface="微軟正黑體" pitchFamily="34" charset="-120"/>
+            </a:endParaRPr>
+          </a:p>
+        </p:txBody>
+      </p:sp>
+      <p:sp>
+        <p:nvSpPr>
+          <p:cNvPr id="3" name="TextBox 2"/>
+          <p:cNvSpPr txBox="1"/>
+          <p:nvPr/>
+        </p:nvSpPr>
+        <p:spPr>
+          <a:xfrm>
+            <a:off x="0" y="5089674"/>
+            <a:ext cx="12192000" cy="769441"/>
+          </a:xfrm>
+          <a:prstGeom prst="rect">
+            <a:avLst/>
+          </a:prstGeom>
+          <a:noFill/>
+        </p:spPr>
+        <p:txBody>
+          <a:bodyPr wrap="square" rtlCol="0" anchor="ctr">
+            <a:spAutoFit/>
+          </a:bodyPr>
+          <a:lstStyle/>
+          <a:p>
+            <a:pPr algn="ctr"/>
+            <a:r>
+              <a:rPr lang="en-US" sz="4400" b="1" dirty="0">
+                <a:solidFill>
+                  <a:srgbClr val="000066"/>
+                </a:solidFill>
+                <a:effectLst/>
+                <a:latin typeface="Microsoft JhengHei" panose="020B0604030504040204" pitchFamily="34" charset="-120"/>
+                <a:ea typeface="Microsoft JhengHei" panose="020B0604030504040204" pitchFamily="34" charset="-120"/>
+              </a:rPr>
+              <a:t>( </a:t>
+            </a:r>
+            <a:r>
+              <a:rPr lang="zh-CN" altLang="en-US" sz="4400" b="1" dirty="0" smtClean="0">
+                <a:solidFill>
+                  <a:srgbClr val="000066"/>
+                </a:solidFill>
+                <a:effectLst/>
+                <a:latin typeface="Microsoft JhengHei" panose="020B0604030504040204" pitchFamily="34" charset="-120"/>
+                <a:ea typeface="Microsoft JhengHei" panose="020B0604030504040204" pitchFamily="34" charset="-120"/>
+              </a:rPr>
+              <a:t>副</a:t>
+            </a:r>
+            <a:r>
+              <a:rPr lang="en-US" sz="4400" b="1" dirty="0" smtClean="0">
+                <a:solidFill>
+                  <a:srgbClr val="000066"/>
+                </a:solidFill>
+                <a:effectLst/>
+                <a:latin typeface="Microsoft JhengHei" panose="020B0604030504040204" pitchFamily="34" charset="-120"/>
+                <a:ea typeface="Microsoft JhengHei" panose="020B0604030504040204" pitchFamily="34" charset="-120"/>
+              </a:rPr>
+              <a:t> </a:t>
+            </a:r>
+            <a:r>
+              <a:rPr lang="en-US" sz="4400" b="1" dirty="0">
+                <a:solidFill>
+                  <a:srgbClr val="000066"/>
+                </a:solidFill>
+                <a:effectLst/>
+                <a:latin typeface="Microsoft JhengHei" panose="020B0604030504040204" pitchFamily="34" charset="-120"/>
+                <a:ea typeface="Microsoft JhengHei" panose="020B0604030504040204" pitchFamily="34" charset="-120"/>
+              </a:rPr>
+              <a:t>)</a:t>
+            </a:r>
+            <a:endParaRPr lang="vi-VN" sz="4400" b="1" dirty="0">
+              <a:solidFill>
+                <a:srgbClr val="000066"/>
+              </a:solidFill>
+              <a:effectLst/>
+              <a:ea typeface="Microsoft JhengHei" panose="020B0604030504040204" pitchFamily="34" charset="-120"/>
             </a:endParaRPr>
           </a:p>
         </p:txBody>
@@ -4067,17 +4088,47 @@
                 <a:latin typeface="微軟正黑體" pitchFamily="34" charset="-120"/>
                 <a:ea typeface="微軟正黑體" pitchFamily="34" charset="-120"/>
               </a:rPr>
-              <a:t>唯有你是配得一切榮</a:t>
-            </a:r>
-            <a:r>
-              <a:rPr lang="zh-TW" altLang="en-US" sz="6400" b="1" dirty="0">
+              <a:t>唯</a:t>
+            </a:r>
+            <a:r>
+              <a:rPr lang="zh-TW" altLang="en-US" sz="6400" b="1" dirty="0" smtClean="0">
                 <a:solidFill>
                   <a:srgbClr val="000066"/>
                 </a:solidFill>
                 <a:latin typeface="微軟正黑體" pitchFamily="34" charset="-120"/>
                 <a:ea typeface="微軟正黑體" pitchFamily="34" charset="-120"/>
               </a:rPr>
-              <a:t>耀</a:t>
+              <a:t>有</a:t>
+            </a:r>
+            <a:r>
+              <a:rPr lang="zh-CN" altLang="en-US" sz="6400" b="1" dirty="0">
+                <a:solidFill>
+                  <a:srgbClr val="000066"/>
+                </a:solidFill>
+                <a:latin typeface="微軟正黑體" pitchFamily="34" charset="-120"/>
+                <a:ea typeface="微軟正黑體" pitchFamily="34" charset="-120"/>
+              </a:rPr>
+              <a:t>袮</a:t>
+            </a:r>
+            <a:r>
+              <a:rPr lang="zh-TW" altLang="en-US" sz="6400" b="1" dirty="0" smtClean="0">
+                <a:solidFill>
+                  <a:srgbClr val="000066"/>
+                </a:solidFill>
+                <a:latin typeface="微軟正黑體" pitchFamily="34" charset="-120"/>
+                <a:ea typeface="微軟正黑體" pitchFamily="34" charset="-120"/>
+              </a:rPr>
+              <a:t>是</a:t>
+            </a:r>
+            <a:r>
+              <a:rPr lang="zh-TW" altLang="en-US" sz="6400" b="1" dirty="0">
+                <a:solidFill>
+                  <a:srgbClr val="000066"/>
+                </a:solidFill>
+                <a:latin typeface="微軟正黑體" pitchFamily="34" charset="-120"/>
+                <a:ea typeface="微軟正黑體" pitchFamily="34" charset="-120"/>
+              </a:rPr>
+              <a:t>配得一切榮耀</a:t>
             </a:r>
             <a:endParaRPr lang="en-US" altLang="zh-TW" sz="6400" b="1" dirty="0">
               <a:solidFill>
@@ -4099,17 +4150,7 @@
                 <a:latin typeface="微軟正黑體" pitchFamily="34" charset="-120"/>
                 <a:ea typeface="微軟正黑體" pitchFamily="34" charset="-120"/>
               </a:rPr>
-              <a:t>尊</a:t>
-            </a:r>
-            <a:r>
-              <a:rPr lang="zh-TW" altLang="en-US" sz="6400" b="1" dirty="0">
-                <a:solidFill>
-                  <a:srgbClr val="000066"/>
-                </a:solidFill>
-                <a:latin typeface="微軟正黑體" pitchFamily="34" charset="-120"/>
-                <a:ea typeface="微軟正黑體" pitchFamily="34" charset="-120"/>
-              </a:rPr>
-              <a:t>貴和頌讚</a:t>
+              <a:t>尊貴和頌讚</a:t>
             </a:r>
             <a:endParaRPr lang="en-US" altLang="zh-TW" sz="6400" b="1" dirty="0">
               <a:solidFill>
@@ -4117,6 +4158,83 @@
               </a:solidFill>
               <a:latin typeface="微軟正黑體" pitchFamily="34" charset="-120"/>
               <a:ea typeface="微軟正黑體" pitchFamily="34" charset="-120"/>
+            </a:endParaRPr>
+          </a:p>
+        </p:txBody>
+      </p:sp>
+      <p:sp>
+        <p:nvSpPr>
+          <p:cNvPr id="3" name="TextBox 2"/>
+          <p:cNvSpPr txBox="1"/>
+          <p:nvPr/>
+        </p:nvSpPr>
+        <p:spPr>
+          <a:xfrm>
+            <a:off x="0" y="5089674"/>
+            <a:ext cx="12192000" cy="769441"/>
+          </a:xfrm>
+          <a:prstGeom prst="rect">
+            <a:avLst/>
+          </a:prstGeom>
+          <a:noFill/>
+        </p:spPr>
+        <p:txBody>
+          <a:bodyPr wrap="square" rtlCol="0" anchor="ctr">
+            <a:spAutoFit/>
+          </a:bodyPr>
+          <a:lstStyle/>
+          <a:p>
+            <a:pPr algn="ctr"/>
+            <a:r>
+              <a:rPr lang="en-US" sz="4400" b="1" dirty="0">
+                <a:solidFill>
+                  <a:srgbClr val="000066"/>
+                </a:solidFill>
+                <a:effectLst/>
+                <a:latin typeface="Microsoft JhengHei" panose="020B0604030504040204" pitchFamily="34" charset="-120"/>
+                <a:ea typeface="Microsoft JhengHei" panose="020B0604030504040204" pitchFamily="34" charset="-120"/>
+              </a:rPr>
+              <a:t>( </a:t>
+            </a:r>
+            <a:r>
+              <a:rPr lang="zh-CN" altLang="en-US" sz="4400" b="1" dirty="0" smtClean="0">
+                <a:solidFill>
+                  <a:srgbClr val="000066"/>
+                </a:solidFill>
+                <a:effectLst/>
+                <a:latin typeface="Microsoft JhengHei" panose="020B0604030504040204" pitchFamily="34" charset="-120"/>
+                <a:ea typeface="Microsoft JhengHei" panose="020B0604030504040204" pitchFamily="34" charset="-120"/>
+              </a:rPr>
+              <a:t>副</a:t>
+            </a:r>
+            <a:r>
+              <a:rPr lang="en-US" sz="4400" b="1" dirty="0" smtClean="0">
+                <a:solidFill>
+                  <a:srgbClr val="000066"/>
+                </a:solidFill>
+                <a:effectLst/>
+                <a:latin typeface="Microsoft JhengHei" panose="020B0604030504040204" pitchFamily="34" charset="-120"/>
+                <a:ea typeface="Microsoft JhengHei" panose="020B0604030504040204" pitchFamily="34" charset="-120"/>
+              </a:rPr>
+              <a:t> </a:t>
+            </a:r>
+            <a:r>
+              <a:rPr lang="en-US" sz="4400" b="1" dirty="0">
+                <a:solidFill>
+                  <a:srgbClr val="000066"/>
+                </a:solidFill>
+                <a:effectLst/>
+                <a:latin typeface="Microsoft JhengHei" panose="020B0604030504040204" pitchFamily="34" charset="-120"/>
+                <a:ea typeface="Microsoft JhengHei" panose="020B0604030504040204" pitchFamily="34" charset="-120"/>
+              </a:rPr>
+              <a:t>)</a:t>
+            </a:r>
+            <a:endParaRPr lang="vi-VN" sz="4400" b="1" dirty="0">
+              <a:solidFill>
+                <a:srgbClr val="000066"/>
+              </a:solidFill>
+              <a:effectLst/>
+              <a:ea typeface="Microsoft JhengHei" panose="020B0604030504040204" pitchFamily="34" charset="-120"/>
             </a:endParaRPr>
           </a:p>
         </p:txBody>

--- a/耶穌耶穌(崇拜版).pptx
+++ b/耶穌耶穌(崇拜版).pptx
@@ -156,7 +156,7 @@
           <a:lstStyle/>
           <a:p>
             <a:r>
-              <a:rPr lang="en-US" altLang="zh-TW" smtClean="0"/>
+              <a:rPr lang="en-US" altLang="zh-TW"/>
               <a:t>Click to edit Master title style</a:t>
             </a:r>
             <a:endParaRPr lang="zh-TW" altLang="en-US"/>
@@ -275,7 +275,7 @@
           </a:lstStyle>
           <a:p>
             <a:r>
-              <a:rPr lang="en-US" altLang="zh-TW" smtClean="0"/>
+              <a:rPr lang="en-US" altLang="zh-TW"/>
               <a:t>Click to edit Master subtitle style</a:t>
             </a:r>
             <a:endParaRPr lang="zh-TW" altLang="en-US"/>
@@ -299,7 +299,7 @@
           <a:p>
             <a:fld id="{85A0D2D1-EA6F-422F-8B05-64A315FC21BB}" type="datetimeFigureOut">
               <a:rPr lang="vi-VN" smtClean="0"/>
-              <a:t>23/04/2022</a:t>
+              <a:t>09/03/2024</a:t>
             </a:fld>
             <a:endParaRPr lang="vi-VN"/>
           </a:p>
@@ -393,7 +393,7 @@
           <a:lstStyle/>
           <a:p>
             <a:r>
-              <a:rPr lang="en-US" altLang="zh-TW" smtClean="0"/>
+              <a:rPr lang="en-US" altLang="zh-TW"/>
               <a:t>Click to edit Master title style</a:t>
             </a:r>
             <a:endParaRPr lang="zh-TW" altLang="en-US"/>
@@ -417,35 +417,35 @@
           <a:p>
             <a:pPr lvl="0"/>
             <a:r>
-              <a:rPr lang="en-US" altLang="zh-TW" smtClean="0"/>
+              <a:rPr lang="en-US" altLang="zh-TW"/>
               <a:t>Edit Master text styles</a:t>
             </a:r>
           </a:p>
           <a:p>
             <a:pPr lvl="1"/>
             <a:r>
-              <a:rPr lang="en-US" altLang="zh-TW" smtClean="0"/>
+              <a:rPr lang="en-US" altLang="zh-TW"/>
               <a:t>Second level</a:t>
             </a:r>
           </a:p>
           <a:p>
             <a:pPr lvl="2"/>
             <a:r>
-              <a:rPr lang="en-US" altLang="zh-TW" smtClean="0"/>
+              <a:rPr lang="en-US" altLang="zh-TW"/>
               <a:t>Third level</a:t>
             </a:r>
           </a:p>
           <a:p>
             <a:pPr lvl="3"/>
             <a:r>
-              <a:rPr lang="en-US" altLang="zh-TW" smtClean="0"/>
+              <a:rPr lang="en-US" altLang="zh-TW"/>
               <a:t>Fourth level</a:t>
             </a:r>
           </a:p>
           <a:p>
             <a:pPr lvl="4"/>
             <a:r>
-              <a:rPr lang="en-US" altLang="zh-TW" smtClean="0"/>
+              <a:rPr lang="en-US" altLang="zh-TW"/>
               <a:t>Fifth level</a:t>
             </a:r>
             <a:endParaRPr lang="zh-TW" altLang="en-US"/>
@@ -469,7 +469,7 @@
           <a:p>
             <a:fld id="{85A0D2D1-EA6F-422F-8B05-64A315FC21BB}" type="datetimeFigureOut">
               <a:rPr lang="vi-VN" smtClean="0"/>
-              <a:t>23/04/2022</a:t>
+              <a:t>09/03/2024</a:t>
             </a:fld>
             <a:endParaRPr lang="vi-VN"/>
           </a:p>
@@ -568,7 +568,7 @@
           <a:lstStyle/>
           <a:p>
             <a:r>
-              <a:rPr lang="en-US" altLang="zh-TW" smtClean="0"/>
+              <a:rPr lang="en-US" altLang="zh-TW"/>
               <a:t>Click to edit Master title style</a:t>
             </a:r>
             <a:endParaRPr lang="zh-TW" altLang="en-US"/>
@@ -597,35 +597,35 @@
           <a:p>
             <a:pPr lvl="0"/>
             <a:r>
-              <a:rPr lang="en-US" altLang="zh-TW" smtClean="0"/>
+              <a:rPr lang="en-US" altLang="zh-TW"/>
               <a:t>Edit Master text styles</a:t>
             </a:r>
           </a:p>
           <a:p>
             <a:pPr lvl="1"/>
             <a:r>
-              <a:rPr lang="en-US" altLang="zh-TW" smtClean="0"/>
+              <a:rPr lang="en-US" altLang="zh-TW"/>
               <a:t>Second level</a:t>
             </a:r>
           </a:p>
           <a:p>
             <a:pPr lvl="2"/>
             <a:r>
-              <a:rPr lang="en-US" altLang="zh-TW" smtClean="0"/>
+              <a:rPr lang="en-US" altLang="zh-TW"/>
               <a:t>Third level</a:t>
             </a:r>
           </a:p>
           <a:p>
             <a:pPr lvl="3"/>
             <a:r>
-              <a:rPr lang="en-US" altLang="zh-TW" smtClean="0"/>
+              <a:rPr lang="en-US" altLang="zh-TW"/>
               <a:t>Fourth level</a:t>
             </a:r>
           </a:p>
           <a:p>
             <a:pPr lvl="4"/>
             <a:r>
-              <a:rPr lang="en-US" altLang="zh-TW" smtClean="0"/>
+              <a:rPr lang="en-US" altLang="zh-TW"/>
               <a:t>Fifth level</a:t>
             </a:r>
             <a:endParaRPr lang="zh-TW" altLang="en-US"/>
@@ -649,7 +649,7 @@
           <a:p>
             <a:fld id="{85A0D2D1-EA6F-422F-8B05-64A315FC21BB}" type="datetimeFigureOut">
               <a:rPr lang="vi-VN" smtClean="0"/>
-              <a:t>23/04/2022</a:t>
+              <a:t>09/03/2024</a:t>
             </a:fld>
             <a:endParaRPr lang="vi-VN"/>
           </a:p>
@@ -743,7 +743,7 @@
           <a:lstStyle/>
           <a:p>
             <a:r>
-              <a:rPr lang="en-US" altLang="zh-TW" smtClean="0"/>
+              <a:rPr lang="en-US" altLang="zh-TW"/>
               <a:t>Click to edit Master title style</a:t>
             </a:r>
             <a:endParaRPr lang="zh-TW" altLang="en-US"/>
@@ -767,35 +767,35 @@
           <a:p>
             <a:pPr lvl="0"/>
             <a:r>
-              <a:rPr lang="en-US" altLang="zh-TW" smtClean="0"/>
+              <a:rPr lang="en-US" altLang="zh-TW"/>
               <a:t>Edit Master text styles</a:t>
             </a:r>
           </a:p>
           <a:p>
             <a:pPr lvl="1"/>
             <a:r>
-              <a:rPr lang="en-US" altLang="zh-TW" smtClean="0"/>
+              <a:rPr lang="en-US" altLang="zh-TW"/>
               <a:t>Second level</a:t>
             </a:r>
           </a:p>
           <a:p>
             <a:pPr lvl="2"/>
             <a:r>
-              <a:rPr lang="en-US" altLang="zh-TW" smtClean="0"/>
+              <a:rPr lang="en-US" altLang="zh-TW"/>
               <a:t>Third level</a:t>
             </a:r>
           </a:p>
           <a:p>
             <a:pPr lvl="3"/>
             <a:r>
-              <a:rPr lang="en-US" altLang="zh-TW" smtClean="0"/>
+              <a:rPr lang="en-US" altLang="zh-TW"/>
               <a:t>Fourth level</a:t>
             </a:r>
           </a:p>
           <a:p>
             <a:pPr lvl="4"/>
             <a:r>
-              <a:rPr lang="en-US" altLang="zh-TW" smtClean="0"/>
+              <a:rPr lang="en-US" altLang="zh-TW"/>
               <a:t>Fifth level</a:t>
             </a:r>
             <a:endParaRPr lang="zh-TW" altLang="en-US"/>
@@ -819,7 +819,7 @@
           <a:p>
             <a:fld id="{85A0D2D1-EA6F-422F-8B05-64A315FC21BB}" type="datetimeFigureOut">
               <a:rPr lang="vi-VN" smtClean="0"/>
-              <a:t>23/04/2022</a:t>
+              <a:t>09/03/2024</a:t>
             </a:fld>
             <a:endParaRPr lang="vi-VN"/>
           </a:p>
@@ -922,7 +922,7 @@
           </a:lstStyle>
           <a:p>
             <a:r>
-              <a:rPr lang="en-US" altLang="zh-TW" smtClean="0"/>
+              <a:rPr lang="en-US" altLang="zh-TW"/>
               <a:t>Click to edit Master title style</a:t>
             </a:r>
             <a:endParaRPr lang="zh-TW" altLang="en-US"/>
@@ -1042,7 +1042,7 @@
           <a:p>
             <a:pPr lvl="0"/>
             <a:r>
-              <a:rPr lang="en-US" altLang="zh-TW" smtClean="0"/>
+              <a:rPr lang="en-US" altLang="zh-TW"/>
               <a:t>Edit Master text styles</a:t>
             </a:r>
           </a:p>
@@ -1065,7 +1065,7 @@
           <a:p>
             <a:fld id="{85A0D2D1-EA6F-422F-8B05-64A315FC21BB}" type="datetimeFigureOut">
               <a:rPr lang="vi-VN" smtClean="0"/>
-              <a:t>23/04/2022</a:t>
+              <a:t>09/03/2024</a:t>
             </a:fld>
             <a:endParaRPr lang="vi-VN"/>
           </a:p>
@@ -1159,7 +1159,7 @@
           <a:lstStyle/>
           <a:p>
             <a:r>
-              <a:rPr lang="en-US" altLang="zh-TW" smtClean="0"/>
+              <a:rPr lang="en-US" altLang="zh-TW"/>
               <a:t>Click to edit Master title style</a:t>
             </a:r>
             <a:endParaRPr lang="zh-TW" altLang="en-US"/>
@@ -1216,35 +1216,35 @@
           <a:p>
             <a:pPr lvl="0"/>
             <a:r>
-              <a:rPr lang="en-US" altLang="zh-TW" smtClean="0"/>
+              <a:rPr lang="en-US" altLang="zh-TW"/>
               <a:t>Edit Master text styles</a:t>
             </a:r>
           </a:p>
           <a:p>
             <a:pPr lvl="1"/>
             <a:r>
-              <a:rPr lang="en-US" altLang="zh-TW" smtClean="0"/>
+              <a:rPr lang="en-US" altLang="zh-TW"/>
               <a:t>Second level</a:t>
             </a:r>
           </a:p>
           <a:p>
             <a:pPr lvl="2"/>
             <a:r>
-              <a:rPr lang="en-US" altLang="zh-TW" smtClean="0"/>
+              <a:rPr lang="en-US" altLang="zh-TW"/>
               <a:t>Third level</a:t>
             </a:r>
           </a:p>
           <a:p>
             <a:pPr lvl="3"/>
             <a:r>
-              <a:rPr lang="en-US" altLang="zh-TW" smtClean="0"/>
+              <a:rPr lang="en-US" altLang="zh-TW"/>
               <a:t>Fourth level</a:t>
             </a:r>
           </a:p>
           <a:p>
             <a:pPr lvl="4"/>
             <a:r>
-              <a:rPr lang="en-US" altLang="zh-TW" smtClean="0"/>
+              <a:rPr lang="en-US" altLang="zh-TW"/>
               <a:t>Fifth level</a:t>
             </a:r>
             <a:endParaRPr lang="zh-TW" altLang="en-US"/>
@@ -1301,35 +1301,35 @@
           <a:p>
             <a:pPr lvl="0"/>
             <a:r>
-              <a:rPr lang="en-US" altLang="zh-TW" smtClean="0"/>
+              <a:rPr lang="en-US" altLang="zh-TW"/>
               <a:t>Edit Master text styles</a:t>
             </a:r>
           </a:p>
           <a:p>
             <a:pPr lvl="1"/>
             <a:r>
-              <a:rPr lang="en-US" altLang="zh-TW" smtClean="0"/>
+              <a:rPr lang="en-US" altLang="zh-TW"/>
               <a:t>Second level</a:t>
             </a:r>
           </a:p>
           <a:p>
             <a:pPr lvl="2"/>
             <a:r>
-              <a:rPr lang="en-US" altLang="zh-TW" smtClean="0"/>
+              <a:rPr lang="en-US" altLang="zh-TW"/>
               <a:t>Third level</a:t>
             </a:r>
           </a:p>
           <a:p>
             <a:pPr lvl="3"/>
             <a:r>
-              <a:rPr lang="en-US" altLang="zh-TW" smtClean="0"/>
+              <a:rPr lang="en-US" altLang="zh-TW"/>
               <a:t>Fourth level</a:t>
             </a:r>
           </a:p>
           <a:p>
             <a:pPr lvl="4"/>
             <a:r>
-              <a:rPr lang="en-US" altLang="zh-TW" smtClean="0"/>
+              <a:rPr lang="en-US" altLang="zh-TW"/>
               <a:t>Fifth level</a:t>
             </a:r>
             <a:endParaRPr lang="zh-TW" altLang="en-US"/>
@@ -1353,7 +1353,7 @@
           <a:p>
             <a:fld id="{85A0D2D1-EA6F-422F-8B05-64A315FC21BB}" type="datetimeFigureOut">
               <a:rPr lang="vi-VN" smtClean="0"/>
-              <a:t>23/04/2022</a:t>
+              <a:t>09/03/2024</a:t>
             </a:fld>
             <a:endParaRPr lang="vi-VN"/>
           </a:p>
@@ -1451,7 +1451,7 @@
           </a:lstStyle>
           <a:p>
             <a:r>
-              <a:rPr lang="en-US" altLang="zh-TW" smtClean="0"/>
+              <a:rPr lang="en-US" altLang="zh-TW"/>
               <a:t>Click to edit Master title style</a:t>
             </a:r>
             <a:endParaRPr lang="zh-TW" altLang="en-US"/>
@@ -1517,7 +1517,7 @@
           <a:p>
             <a:pPr lvl="0"/>
             <a:r>
-              <a:rPr lang="en-US" altLang="zh-TW" smtClean="0"/>
+              <a:rPr lang="en-US" altLang="zh-TW"/>
               <a:t>Edit Master text styles</a:t>
             </a:r>
           </a:p>
@@ -1573,35 +1573,35 @@
           <a:p>
             <a:pPr lvl="0"/>
             <a:r>
-              <a:rPr lang="en-US" altLang="zh-TW" smtClean="0"/>
+              <a:rPr lang="en-US" altLang="zh-TW"/>
               <a:t>Edit Master text styles</a:t>
             </a:r>
           </a:p>
           <a:p>
             <a:pPr lvl="1"/>
             <a:r>
-              <a:rPr lang="en-US" altLang="zh-TW" smtClean="0"/>
+              <a:rPr lang="en-US" altLang="zh-TW"/>
               <a:t>Second level</a:t>
             </a:r>
           </a:p>
           <a:p>
             <a:pPr lvl="2"/>
             <a:r>
-              <a:rPr lang="en-US" altLang="zh-TW" smtClean="0"/>
+              <a:rPr lang="en-US" altLang="zh-TW"/>
               <a:t>Third level</a:t>
             </a:r>
           </a:p>
           <a:p>
             <a:pPr lvl="3"/>
             <a:r>
-              <a:rPr lang="en-US" altLang="zh-TW" smtClean="0"/>
+              <a:rPr lang="en-US" altLang="zh-TW"/>
               <a:t>Fourth level</a:t>
             </a:r>
           </a:p>
           <a:p>
             <a:pPr lvl="4"/>
             <a:r>
-              <a:rPr lang="en-US" altLang="zh-TW" smtClean="0"/>
+              <a:rPr lang="en-US" altLang="zh-TW"/>
               <a:t>Fifth level</a:t>
             </a:r>
             <a:endParaRPr lang="zh-TW" altLang="en-US"/>
@@ -1667,7 +1667,7 @@
           <a:p>
             <a:pPr lvl="0"/>
             <a:r>
-              <a:rPr lang="en-US" altLang="zh-TW" smtClean="0"/>
+              <a:rPr lang="en-US" altLang="zh-TW"/>
               <a:t>Edit Master text styles</a:t>
             </a:r>
           </a:p>
@@ -1723,35 +1723,35 @@
           <a:p>
             <a:pPr lvl="0"/>
             <a:r>
-              <a:rPr lang="en-US" altLang="zh-TW" smtClean="0"/>
+              <a:rPr lang="en-US" altLang="zh-TW"/>
               <a:t>Edit Master text styles</a:t>
             </a:r>
           </a:p>
           <a:p>
             <a:pPr lvl="1"/>
             <a:r>
-              <a:rPr lang="en-US" altLang="zh-TW" smtClean="0"/>
+              <a:rPr lang="en-US" altLang="zh-TW"/>
               <a:t>Second level</a:t>
             </a:r>
           </a:p>
           <a:p>
             <a:pPr lvl="2"/>
             <a:r>
-              <a:rPr lang="en-US" altLang="zh-TW" smtClean="0"/>
+              <a:rPr lang="en-US" altLang="zh-TW"/>
               <a:t>Third level</a:t>
             </a:r>
           </a:p>
           <a:p>
             <a:pPr lvl="3"/>
             <a:r>
-              <a:rPr lang="en-US" altLang="zh-TW" smtClean="0"/>
+              <a:rPr lang="en-US" altLang="zh-TW"/>
               <a:t>Fourth level</a:t>
             </a:r>
           </a:p>
           <a:p>
             <a:pPr lvl="4"/>
             <a:r>
-              <a:rPr lang="en-US" altLang="zh-TW" smtClean="0"/>
+              <a:rPr lang="en-US" altLang="zh-TW"/>
               <a:t>Fifth level</a:t>
             </a:r>
             <a:endParaRPr lang="zh-TW" altLang="en-US"/>
@@ -1775,7 +1775,7 @@
           <a:p>
             <a:fld id="{85A0D2D1-EA6F-422F-8B05-64A315FC21BB}" type="datetimeFigureOut">
               <a:rPr lang="vi-VN" smtClean="0"/>
-              <a:t>23/04/2022</a:t>
+              <a:t>09/03/2024</a:t>
             </a:fld>
             <a:endParaRPr lang="vi-VN"/>
           </a:p>
@@ -1869,7 +1869,7 @@
           <a:lstStyle/>
           <a:p>
             <a:r>
-              <a:rPr lang="en-US" altLang="zh-TW" smtClean="0"/>
+              <a:rPr lang="en-US" altLang="zh-TW"/>
               <a:t>Click to edit Master title style</a:t>
             </a:r>
             <a:endParaRPr lang="zh-TW" altLang="en-US"/>
@@ -1893,7 +1893,7 @@
           <a:p>
             <a:fld id="{85A0D2D1-EA6F-422F-8B05-64A315FC21BB}" type="datetimeFigureOut">
               <a:rPr lang="vi-VN" smtClean="0"/>
-              <a:t>23/04/2022</a:t>
+              <a:t>09/03/2024</a:t>
             </a:fld>
             <a:endParaRPr lang="vi-VN"/>
           </a:p>
@@ -1988,7 +1988,7 @@
           <a:p>
             <a:fld id="{85A0D2D1-EA6F-422F-8B05-64A315FC21BB}" type="datetimeFigureOut">
               <a:rPr lang="vi-VN" smtClean="0"/>
-              <a:t>23/04/2022</a:t>
+              <a:t>09/03/2024</a:t>
             </a:fld>
             <a:endParaRPr lang="vi-VN"/>
           </a:p>
@@ -2091,7 +2091,7 @@
           </a:lstStyle>
           <a:p>
             <a:r>
-              <a:rPr lang="en-US" altLang="zh-TW" smtClean="0"/>
+              <a:rPr lang="en-US" altLang="zh-TW"/>
               <a:t>Click to edit Master title style</a:t>
             </a:r>
             <a:endParaRPr lang="zh-TW" altLang="en-US"/>
@@ -2148,35 +2148,35 @@
           <a:p>
             <a:pPr lvl="0"/>
             <a:r>
-              <a:rPr lang="en-US" altLang="zh-TW" smtClean="0"/>
+              <a:rPr lang="en-US" altLang="zh-TW"/>
               <a:t>Edit Master text styles</a:t>
             </a:r>
           </a:p>
           <a:p>
             <a:pPr lvl="1"/>
             <a:r>
-              <a:rPr lang="en-US" altLang="zh-TW" smtClean="0"/>
+              <a:rPr lang="en-US" altLang="zh-TW"/>
               <a:t>Second level</a:t>
             </a:r>
           </a:p>
           <a:p>
             <a:pPr lvl="2"/>
             <a:r>
-              <a:rPr lang="en-US" altLang="zh-TW" smtClean="0"/>
+              <a:rPr lang="en-US" altLang="zh-TW"/>
               <a:t>Third level</a:t>
             </a:r>
           </a:p>
           <a:p>
             <a:pPr lvl="3"/>
             <a:r>
-              <a:rPr lang="en-US" altLang="zh-TW" smtClean="0"/>
+              <a:rPr lang="en-US" altLang="zh-TW"/>
               <a:t>Fourth level</a:t>
             </a:r>
           </a:p>
           <a:p>
             <a:pPr lvl="4"/>
             <a:r>
-              <a:rPr lang="en-US" altLang="zh-TW" smtClean="0"/>
+              <a:rPr lang="en-US" altLang="zh-TW"/>
               <a:t>Fifth level</a:t>
             </a:r>
             <a:endParaRPr lang="zh-TW" altLang="en-US"/>
@@ -2242,7 +2242,7 @@
           <a:p>
             <a:pPr lvl="0"/>
             <a:r>
-              <a:rPr lang="en-US" altLang="zh-TW" smtClean="0"/>
+              <a:rPr lang="en-US" altLang="zh-TW"/>
               <a:t>Edit Master text styles</a:t>
             </a:r>
           </a:p>
@@ -2265,7 +2265,7 @@
           <a:p>
             <a:fld id="{85A0D2D1-EA6F-422F-8B05-64A315FC21BB}" type="datetimeFigureOut">
               <a:rPr lang="vi-VN" smtClean="0"/>
-              <a:t>23/04/2022</a:t>
+              <a:t>09/03/2024</a:t>
             </a:fld>
             <a:endParaRPr lang="vi-VN"/>
           </a:p>
@@ -2368,7 +2368,7 @@
           </a:lstStyle>
           <a:p>
             <a:r>
-              <a:rPr lang="en-US" altLang="zh-TW" smtClean="0"/>
+              <a:rPr lang="en-US" altLang="zh-TW"/>
               <a:t>Click to edit Master title style</a:t>
             </a:r>
             <a:endParaRPr lang="zh-TW" altLang="en-US"/>
@@ -2433,7 +2433,7 @@
           </a:lstStyle>
           <a:p>
             <a:r>
-              <a:rPr lang="en-US" altLang="zh-TW" smtClean="0"/>
+              <a:rPr lang="en-US" altLang="zh-TW"/>
               <a:t>Click icon to add picture</a:t>
             </a:r>
             <a:endParaRPr lang="zh-TW" altLang="en-US"/>
@@ -2499,7 +2499,7 @@
           <a:p>
             <a:pPr lvl="0"/>
             <a:r>
-              <a:rPr lang="en-US" altLang="zh-TW" smtClean="0"/>
+              <a:rPr lang="en-US" altLang="zh-TW"/>
               <a:t>Edit Master text styles</a:t>
             </a:r>
           </a:p>
@@ -2522,7 +2522,7 @@
           <a:p>
             <a:fld id="{85A0D2D1-EA6F-422F-8B05-64A315FC21BB}" type="datetimeFigureOut">
               <a:rPr lang="vi-VN" smtClean="0"/>
-              <a:t>23/04/2022</a:t>
+              <a:t>09/03/2024</a:t>
             </a:fld>
             <a:endParaRPr lang="vi-VN"/>
           </a:p>
@@ -2636,10 +2636,9 @@
           <a:lstStyle/>
           <a:p>
             <a:r>
-              <a:rPr lang="zh-TW" altLang="en-US" smtClean="0"/>
+              <a:rPr lang="zh-TW" altLang="en-US"/>
               <a:t>按一下以編輯母片標題樣式</a:t>
             </a:r>
-            <a:endParaRPr lang="zh-TW" altLang="en-US"/>
           </a:p>
         </p:txBody>
       </p:sp>
@@ -2670,38 +2669,37 @@
           <a:p>
             <a:pPr lvl="0"/>
             <a:r>
-              <a:rPr lang="zh-TW" altLang="en-US" smtClean="0"/>
+              <a:rPr lang="zh-TW" altLang="en-US"/>
               <a:t>按一下以編輯母片文字樣式</a:t>
             </a:r>
           </a:p>
           <a:p>
             <a:pPr lvl="1"/>
             <a:r>
-              <a:rPr lang="zh-TW" altLang="en-US" smtClean="0"/>
+              <a:rPr lang="zh-TW" altLang="en-US"/>
               <a:t>第二層</a:t>
             </a:r>
           </a:p>
           <a:p>
             <a:pPr lvl="2"/>
             <a:r>
-              <a:rPr lang="zh-TW" altLang="en-US" smtClean="0"/>
+              <a:rPr lang="zh-TW" altLang="en-US"/>
               <a:t>第三層</a:t>
             </a:r>
           </a:p>
           <a:p>
             <a:pPr lvl="3"/>
             <a:r>
-              <a:rPr lang="zh-TW" altLang="en-US" smtClean="0"/>
+              <a:rPr lang="zh-TW" altLang="en-US"/>
               <a:t>第四層</a:t>
             </a:r>
           </a:p>
           <a:p>
             <a:pPr lvl="4"/>
             <a:r>
-              <a:rPr lang="zh-TW" altLang="en-US" smtClean="0"/>
+              <a:rPr lang="zh-TW" altLang="en-US"/>
               <a:t>第五層</a:t>
             </a:r>
-            <a:endParaRPr lang="zh-TW" altLang="en-US"/>
           </a:p>
         </p:txBody>
       </p:sp>
@@ -2740,7 +2738,7 @@
           <a:p>
             <a:fld id="{85A0D2D1-EA6F-422F-8B05-64A315FC21BB}" type="datetimeFigureOut">
               <a:rPr lang="vi-VN" smtClean="0"/>
-              <a:t>23/04/2022</a:t>
+              <a:t>09/03/2024</a:t>
             </a:fld>
             <a:endParaRPr lang="vi-VN"/>
           </a:p>
@@ -3262,8 +3260,8 @@
         </p:nvSpPr>
         <p:spPr>
           <a:xfrm>
-            <a:off x="0" y="5089674"/>
-            <a:ext cx="12192000" cy="769441"/>
+            <a:off x="0" y="5151228"/>
+            <a:ext cx="12192000" cy="646331"/>
           </a:xfrm>
           <a:prstGeom prst="rect">
             <a:avLst/>
@@ -3278,7 +3276,7 @@
           <a:p>
             <a:pPr algn="ctr"/>
             <a:r>
-              <a:rPr lang="en-US" sz="4400" b="1" dirty="0">
+              <a:rPr lang="en-US" sz="3600" b="1" dirty="0">
                 <a:solidFill>
                   <a:srgbClr val="000066"/>
                 </a:solidFill>
@@ -3289,7 +3287,7 @@
               <a:t>( </a:t>
             </a:r>
             <a:r>
-              <a:rPr lang="zh-CN" altLang="en-US" sz="4400" b="1" dirty="0">
+              <a:rPr lang="zh-CN" altLang="en-US" sz="3600" b="1" dirty="0">
                 <a:solidFill>
                   <a:srgbClr val="000066"/>
                 </a:solidFill>
@@ -3297,10 +3295,10 @@
                 <a:latin typeface="Microsoft JhengHei" panose="020B0604030504040204" pitchFamily="34" charset="-120"/>
                 <a:ea typeface="Microsoft JhengHei" panose="020B0604030504040204" pitchFamily="34" charset="-120"/>
               </a:rPr>
-              <a:t>正</a:t>
-            </a:r>
-            <a:r>
-              <a:rPr lang="en-US" sz="4400" b="1" dirty="0">
+              <a:t>正歌</a:t>
+            </a:r>
+            <a:r>
+              <a:rPr lang="en-US" sz="3600" b="1" dirty="0">
                 <a:solidFill>
                   <a:srgbClr val="000066"/>
                 </a:solidFill>
@@ -3310,7 +3308,7 @@
               </a:rPr>
               <a:t> )</a:t>
             </a:r>
-            <a:endParaRPr lang="vi-VN" sz="4400" b="1" dirty="0">
+            <a:endParaRPr lang="vi-VN" sz="3600" b="1" dirty="0">
               <a:solidFill>
                 <a:srgbClr val="000066"/>
               </a:solidFill>
@@ -3425,8 +3423,8 @@
         </p:nvSpPr>
         <p:spPr>
           <a:xfrm>
-            <a:off x="0" y="5089674"/>
-            <a:ext cx="12192000" cy="769441"/>
+            <a:off x="0" y="5151229"/>
+            <a:ext cx="12192000" cy="646331"/>
           </a:xfrm>
           <a:prstGeom prst="rect">
             <a:avLst/>
@@ -3441,43 +3439,39 @@
           <a:p>
             <a:pPr algn="ctr"/>
             <a:r>
-              <a:rPr lang="en-US" sz="4400" b="1" dirty="0">
+              <a:rPr lang="en-US" sz="3600" b="1" dirty="0">
                 <a:solidFill>
                   <a:srgbClr val="000066"/>
                 </a:solidFill>
-                <a:effectLst/>
                 <a:latin typeface="Microsoft JhengHei" panose="020B0604030504040204" pitchFamily="34" charset="-120"/>
                 <a:ea typeface="Microsoft JhengHei" panose="020B0604030504040204" pitchFamily="34" charset="-120"/>
               </a:rPr>
               <a:t>( </a:t>
             </a:r>
             <a:r>
-              <a:rPr lang="zh-CN" altLang="en-US" sz="4400" b="1" dirty="0">
+              <a:rPr lang="zh-CN" altLang="en-US" sz="3600" b="1" dirty="0">
                 <a:solidFill>
                   <a:srgbClr val="000066"/>
                 </a:solidFill>
-                <a:effectLst/>
                 <a:latin typeface="Microsoft JhengHei" panose="020B0604030504040204" pitchFamily="34" charset="-120"/>
                 <a:ea typeface="Microsoft JhengHei" panose="020B0604030504040204" pitchFamily="34" charset="-120"/>
               </a:rPr>
-              <a:t>正</a:t>
-            </a:r>
-            <a:r>
-              <a:rPr lang="en-US" sz="4400" b="1" dirty="0">
+              <a:t>正歌 </a:t>
+            </a:r>
+            <a:r>
+              <a:rPr lang="en-US" sz="3600" b="1" dirty="0">
                 <a:solidFill>
                   <a:srgbClr val="000066"/>
                 </a:solidFill>
-                <a:effectLst/>
                 <a:latin typeface="Microsoft JhengHei" panose="020B0604030504040204" pitchFamily="34" charset="-120"/>
                 <a:ea typeface="Microsoft JhengHei" panose="020B0604030504040204" pitchFamily="34" charset="-120"/>
               </a:rPr>
-              <a:t> )</a:t>
-            </a:r>
-            <a:endParaRPr lang="vi-VN" sz="4400" b="1" dirty="0">
+              <a:t>)</a:t>
+            </a:r>
+            <a:endParaRPr lang="vi-VN" sz="3600" b="1" dirty="0">
               <a:solidFill>
                 <a:srgbClr val="000066"/>
               </a:solidFill>
-              <a:effectLst/>
               <a:ea typeface="Microsoft JhengHei" panose="020B0604030504040204" pitchFamily="34" charset="-120"/>
             </a:endParaRPr>
           </a:p>
@@ -3588,8 +3582,8 @@
         </p:nvSpPr>
         <p:spPr>
           <a:xfrm>
-            <a:off x="0" y="5089674"/>
-            <a:ext cx="12192000" cy="769441"/>
+            <a:off x="0" y="5151229"/>
+            <a:ext cx="12192000" cy="646331"/>
           </a:xfrm>
           <a:prstGeom prst="rect">
             <a:avLst/>
@@ -3604,54 +3598,39 @@
           <a:p>
             <a:pPr algn="ctr"/>
             <a:r>
-              <a:rPr lang="en-US" sz="4400" b="1" dirty="0">
+              <a:rPr lang="en-US" sz="3600" b="1" dirty="0">
                 <a:solidFill>
                   <a:srgbClr val="000066"/>
                 </a:solidFill>
-                <a:effectLst/>
                 <a:latin typeface="Microsoft JhengHei" panose="020B0604030504040204" pitchFamily="34" charset="-120"/>
                 <a:ea typeface="Microsoft JhengHei" panose="020B0604030504040204" pitchFamily="34" charset="-120"/>
               </a:rPr>
               <a:t>( </a:t>
             </a:r>
             <a:r>
-              <a:rPr lang="zh-CN" altLang="en-US" sz="4400" b="1" dirty="0" smtClean="0">
+              <a:rPr lang="zh-CN" altLang="en-US" sz="3600" b="1" dirty="0">
                 <a:solidFill>
                   <a:srgbClr val="000066"/>
                 </a:solidFill>
-                <a:effectLst/>
                 <a:latin typeface="Microsoft JhengHei" panose="020B0604030504040204" pitchFamily="34" charset="-120"/>
                 <a:ea typeface="Microsoft JhengHei" panose="020B0604030504040204" pitchFamily="34" charset="-120"/>
               </a:rPr>
-              <a:t>副</a:t>
-            </a:r>
-            <a:r>
-              <a:rPr lang="en-US" sz="4400" b="1" dirty="0" smtClean="0">
+              <a:t>副歌 </a:t>
+            </a:r>
+            <a:r>
+              <a:rPr lang="en-US" sz="3600" b="1" dirty="0">
                 <a:solidFill>
                   <a:srgbClr val="000066"/>
                 </a:solidFill>
-                <a:effectLst/>
-                <a:latin typeface="Microsoft JhengHei" panose="020B0604030504040204" pitchFamily="34" charset="-120"/>
-                <a:ea typeface="Microsoft JhengHei" panose="020B0604030504040204" pitchFamily="34" charset="-120"/>
-              </a:rPr>
-              <a:t> </a:t>
-            </a:r>
-            <a:r>
-              <a:rPr lang="en-US" sz="4400" b="1" dirty="0">
-                <a:solidFill>
-                  <a:srgbClr val="000066"/>
-                </a:solidFill>
-                <a:effectLst/>
                 <a:latin typeface="Microsoft JhengHei" panose="020B0604030504040204" pitchFamily="34" charset="-120"/>
                 <a:ea typeface="Microsoft JhengHei" panose="020B0604030504040204" pitchFamily="34" charset="-120"/>
               </a:rPr>
               <a:t>)</a:t>
             </a:r>
-            <a:endParaRPr lang="vi-VN" sz="4400" b="1" dirty="0">
+            <a:endParaRPr lang="vi-VN" sz="3600" b="1" dirty="0">
               <a:solidFill>
                 <a:srgbClr val="000066"/>
               </a:solidFill>
-              <a:effectLst/>
               <a:ea typeface="Microsoft JhengHei" panose="020B0604030504040204" pitchFamily="34" charset="-120"/>
             </a:endParaRPr>
           </a:p>
@@ -3713,34 +3692,24 @@
               <a:buNone/>
             </a:pPr>
             <a:r>
-              <a:rPr lang="zh-CN" altLang="en-US" sz="6400" b="1" dirty="0" smtClean="0">
+              <a:rPr lang="zh-CN" altLang="en-US" sz="6400" b="1" dirty="0">
                 <a:solidFill>
                   <a:srgbClr val="000066"/>
                 </a:solidFill>
                 <a:latin typeface="微軟正黑體" pitchFamily="34" charset="-120"/>
                 <a:ea typeface="微軟正黑體" pitchFamily="34" charset="-120"/>
               </a:rPr>
-              <a:t>袮</a:t>
-            </a:r>
-            <a:r>
-              <a:rPr lang="zh-TW" altLang="en-US" sz="6400" b="1" dirty="0" smtClean="0">
+              <a:t>祢</a:t>
+            </a:r>
+            <a:r>
+              <a:rPr lang="zh-TW" altLang="en-US" sz="6400" b="1" dirty="0">
                 <a:solidFill>
                   <a:srgbClr val="000066"/>
                 </a:solidFill>
                 <a:latin typeface="微軟正黑體" pitchFamily="34" charset="-120"/>
                 <a:ea typeface="微軟正黑體" pitchFamily="34" charset="-120"/>
               </a:rPr>
-              <a:t>是</a:t>
-            </a:r>
-            <a:r>
-              <a:rPr lang="zh-TW" altLang="en-US" sz="6400" b="1" dirty="0">
-                <a:solidFill>
-                  <a:srgbClr val="000066"/>
-                </a:solidFill>
-                <a:latin typeface="微軟正黑體" pitchFamily="34" charset="-120"/>
-                <a:ea typeface="微軟正黑體" pitchFamily="34" charset="-120"/>
-              </a:rPr>
-              <a:t>昔在永在的全能主</a:t>
+              <a:t>是昔在永在的全能主</a:t>
             </a:r>
             <a:endParaRPr lang="en-US" altLang="zh-TW" sz="6400" b="1" dirty="0">
               <a:solidFill>
@@ -3782,8 +3751,8 @@
         </p:nvSpPr>
         <p:spPr>
           <a:xfrm>
-            <a:off x="0" y="5089674"/>
-            <a:ext cx="12192000" cy="769441"/>
+            <a:off x="0" y="5151229"/>
+            <a:ext cx="12192000" cy="646331"/>
           </a:xfrm>
           <a:prstGeom prst="rect">
             <a:avLst/>
@@ -3798,54 +3767,39 @@
           <a:p>
             <a:pPr algn="ctr"/>
             <a:r>
-              <a:rPr lang="en-US" sz="4400" b="1" dirty="0">
+              <a:rPr lang="en-US" sz="3600" b="1" dirty="0">
                 <a:solidFill>
                   <a:srgbClr val="000066"/>
                 </a:solidFill>
-                <a:effectLst/>
                 <a:latin typeface="Microsoft JhengHei" panose="020B0604030504040204" pitchFamily="34" charset="-120"/>
                 <a:ea typeface="Microsoft JhengHei" panose="020B0604030504040204" pitchFamily="34" charset="-120"/>
               </a:rPr>
               <a:t>( </a:t>
             </a:r>
             <a:r>
-              <a:rPr lang="zh-CN" altLang="en-US" sz="4400" b="1" dirty="0" smtClean="0">
+              <a:rPr lang="zh-CN" altLang="en-US" sz="3600" b="1" dirty="0">
                 <a:solidFill>
                   <a:srgbClr val="000066"/>
                 </a:solidFill>
-                <a:effectLst/>
                 <a:latin typeface="Microsoft JhengHei" panose="020B0604030504040204" pitchFamily="34" charset="-120"/>
                 <a:ea typeface="Microsoft JhengHei" panose="020B0604030504040204" pitchFamily="34" charset="-120"/>
               </a:rPr>
-              <a:t>副</a:t>
-            </a:r>
-            <a:r>
-              <a:rPr lang="en-US" sz="4400" b="1" dirty="0" smtClean="0">
+              <a:t>副歌 </a:t>
+            </a:r>
+            <a:r>
+              <a:rPr lang="en-US" sz="3600" b="1" dirty="0">
                 <a:solidFill>
                   <a:srgbClr val="000066"/>
                 </a:solidFill>
-                <a:effectLst/>
-                <a:latin typeface="Microsoft JhengHei" panose="020B0604030504040204" pitchFamily="34" charset="-120"/>
-                <a:ea typeface="Microsoft JhengHei" panose="020B0604030504040204" pitchFamily="34" charset="-120"/>
-              </a:rPr>
-              <a:t> </a:t>
-            </a:r>
-            <a:r>
-              <a:rPr lang="en-US" sz="4400" b="1" dirty="0">
-                <a:solidFill>
-                  <a:srgbClr val="000066"/>
-                </a:solidFill>
-                <a:effectLst/>
                 <a:latin typeface="Microsoft JhengHei" panose="020B0604030504040204" pitchFamily="34" charset="-120"/>
                 <a:ea typeface="Microsoft JhengHei" panose="020B0604030504040204" pitchFamily="34" charset="-120"/>
               </a:rPr>
               <a:t>)</a:t>
             </a:r>
-            <a:endParaRPr lang="vi-VN" sz="4400" b="1" dirty="0">
+            <a:endParaRPr lang="vi-VN" sz="3600" b="1" dirty="0">
               <a:solidFill>
                 <a:srgbClr val="000066"/>
               </a:solidFill>
-              <a:effectLst/>
               <a:ea typeface="Microsoft JhengHei" panose="020B0604030504040204" pitchFamily="34" charset="-120"/>
             </a:endParaRPr>
           </a:p>
@@ -3956,8 +3910,8 @@
         </p:nvSpPr>
         <p:spPr>
           <a:xfrm>
-            <a:off x="0" y="5089674"/>
-            <a:ext cx="12192000" cy="769441"/>
+            <a:off x="0" y="5151229"/>
+            <a:ext cx="12192000" cy="646331"/>
           </a:xfrm>
           <a:prstGeom prst="rect">
             <a:avLst/>
@@ -3972,54 +3926,39 @@
           <a:p>
             <a:pPr algn="ctr"/>
             <a:r>
-              <a:rPr lang="en-US" sz="4400" b="1" dirty="0">
+              <a:rPr lang="en-US" sz="3600" b="1" dirty="0">
                 <a:solidFill>
                   <a:srgbClr val="000066"/>
                 </a:solidFill>
-                <a:effectLst/>
                 <a:latin typeface="Microsoft JhengHei" panose="020B0604030504040204" pitchFamily="34" charset="-120"/>
                 <a:ea typeface="Microsoft JhengHei" panose="020B0604030504040204" pitchFamily="34" charset="-120"/>
               </a:rPr>
               <a:t>( </a:t>
             </a:r>
             <a:r>
-              <a:rPr lang="zh-CN" altLang="en-US" sz="4400" b="1" dirty="0" smtClean="0">
+              <a:rPr lang="zh-CN" altLang="en-US" sz="3600" b="1" dirty="0">
                 <a:solidFill>
                   <a:srgbClr val="000066"/>
                 </a:solidFill>
-                <a:effectLst/>
                 <a:latin typeface="Microsoft JhengHei" panose="020B0604030504040204" pitchFamily="34" charset="-120"/>
                 <a:ea typeface="Microsoft JhengHei" panose="020B0604030504040204" pitchFamily="34" charset="-120"/>
               </a:rPr>
-              <a:t>副</a:t>
-            </a:r>
-            <a:r>
-              <a:rPr lang="en-US" sz="4400" b="1" dirty="0" smtClean="0">
+              <a:t>副歌 </a:t>
+            </a:r>
+            <a:r>
+              <a:rPr lang="en-US" sz="3600" b="1" dirty="0">
                 <a:solidFill>
                   <a:srgbClr val="000066"/>
                 </a:solidFill>
-                <a:effectLst/>
-                <a:latin typeface="Microsoft JhengHei" panose="020B0604030504040204" pitchFamily="34" charset="-120"/>
-                <a:ea typeface="Microsoft JhengHei" panose="020B0604030504040204" pitchFamily="34" charset="-120"/>
-              </a:rPr>
-              <a:t> </a:t>
-            </a:r>
-            <a:r>
-              <a:rPr lang="en-US" sz="4400" b="1" dirty="0">
-                <a:solidFill>
-                  <a:srgbClr val="000066"/>
-                </a:solidFill>
-                <a:effectLst/>
                 <a:latin typeface="Microsoft JhengHei" panose="020B0604030504040204" pitchFamily="34" charset="-120"/>
                 <a:ea typeface="Microsoft JhengHei" panose="020B0604030504040204" pitchFamily="34" charset="-120"/>
               </a:rPr>
               <a:t>)</a:t>
             </a:r>
-            <a:endParaRPr lang="vi-VN" sz="4400" b="1" dirty="0">
+            <a:endParaRPr lang="vi-VN" sz="3600" b="1" dirty="0">
               <a:solidFill>
                 <a:srgbClr val="000066"/>
               </a:solidFill>
-              <a:effectLst/>
               <a:ea typeface="Microsoft JhengHei" panose="020B0604030504040204" pitchFamily="34" charset="-120"/>
             </a:endParaRPr>
           </a:p>
@@ -4088,47 +4027,27 @@
                 <a:latin typeface="微軟正黑體" pitchFamily="34" charset="-120"/>
                 <a:ea typeface="微軟正黑體" pitchFamily="34" charset="-120"/>
               </a:rPr>
-              <a:t>唯</a:t>
-            </a:r>
-            <a:r>
-              <a:rPr lang="zh-TW" altLang="en-US" sz="6400" b="1" dirty="0" smtClean="0">
+              <a:t>唯有</a:t>
+            </a:r>
+            <a:r>
+              <a:rPr lang="zh-CN" altLang="en-US" sz="6400" b="1" dirty="0">
                 <a:solidFill>
                   <a:srgbClr val="000066"/>
                 </a:solidFill>
                 <a:latin typeface="微軟正黑體" pitchFamily="34" charset="-120"/>
                 <a:ea typeface="微軟正黑體" pitchFamily="34" charset="-120"/>
               </a:rPr>
-              <a:t>有</a:t>
-            </a:r>
-            <a:r>
-              <a:rPr lang="zh-CN" altLang="en-US" sz="6400" b="1" dirty="0">
+              <a:t>祢</a:t>
+            </a:r>
+            <a:r>
+              <a:rPr lang="zh-TW" altLang="en-US" sz="6400" b="1" dirty="0">
                 <a:solidFill>
                   <a:srgbClr val="000066"/>
                 </a:solidFill>
                 <a:latin typeface="微軟正黑體" pitchFamily="34" charset="-120"/>
                 <a:ea typeface="微軟正黑體" pitchFamily="34" charset="-120"/>
               </a:rPr>
-              <a:t>袮</a:t>
-            </a:r>
-            <a:r>
-              <a:rPr lang="zh-TW" altLang="en-US" sz="6400" b="1" dirty="0" smtClean="0">
-                <a:solidFill>
-                  <a:srgbClr val="000066"/>
-                </a:solidFill>
-                <a:latin typeface="微軟正黑體" pitchFamily="34" charset="-120"/>
-                <a:ea typeface="微軟正黑體" pitchFamily="34" charset="-120"/>
-              </a:rPr>
-              <a:t>是</a:t>
-            </a:r>
-            <a:r>
-              <a:rPr lang="zh-TW" altLang="en-US" sz="6400" b="1" dirty="0">
-                <a:solidFill>
-                  <a:srgbClr val="000066"/>
-                </a:solidFill>
-                <a:latin typeface="微軟正黑體" pitchFamily="34" charset="-120"/>
-                <a:ea typeface="微軟正黑體" pitchFamily="34" charset="-120"/>
-              </a:rPr>
-              <a:t>配得一切榮耀</a:t>
+              <a:t>是配得一切榮耀</a:t>
             </a:r>
             <a:endParaRPr lang="en-US" altLang="zh-TW" sz="6400" b="1" dirty="0">
               <a:solidFill>
@@ -4170,8 +4089,8 @@
         </p:nvSpPr>
         <p:spPr>
           <a:xfrm>
-            <a:off x="0" y="5089674"/>
-            <a:ext cx="12192000" cy="769441"/>
+            <a:off x="0" y="5151229"/>
+            <a:ext cx="12192000" cy="646331"/>
           </a:xfrm>
           <a:prstGeom prst="rect">
             <a:avLst/>
@@ -4186,54 +4105,39 @@
           <a:p>
             <a:pPr algn="ctr"/>
             <a:r>
-              <a:rPr lang="en-US" sz="4400" b="1" dirty="0">
+              <a:rPr lang="en-US" sz="3600" b="1" dirty="0">
                 <a:solidFill>
                   <a:srgbClr val="000066"/>
                 </a:solidFill>
-                <a:effectLst/>
                 <a:latin typeface="Microsoft JhengHei" panose="020B0604030504040204" pitchFamily="34" charset="-120"/>
                 <a:ea typeface="Microsoft JhengHei" panose="020B0604030504040204" pitchFamily="34" charset="-120"/>
               </a:rPr>
               <a:t>( </a:t>
             </a:r>
             <a:r>
-              <a:rPr lang="zh-CN" altLang="en-US" sz="4400" b="1" dirty="0" smtClean="0">
+              <a:rPr lang="zh-CN" altLang="en-US" sz="3600" b="1" dirty="0">
                 <a:solidFill>
                   <a:srgbClr val="000066"/>
                 </a:solidFill>
-                <a:effectLst/>
                 <a:latin typeface="Microsoft JhengHei" panose="020B0604030504040204" pitchFamily="34" charset="-120"/>
                 <a:ea typeface="Microsoft JhengHei" panose="020B0604030504040204" pitchFamily="34" charset="-120"/>
               </a:rPr>
-              <a:t>副</a:t>
-            </a:r>
-            <a:r>
-              <a:rPr lang="en-US" sz="4400" b="1" dirty="0" smtClean="0">
+              <a:t>副歌 </a:t>
+            </a:r>
+            <a:r>
+              <a:rPr lang="en-US" sz="3600" b="1" dirty="0">
                 <a:solidFill>
                   <a:srgbClr val="000066"/>
                 </a:solidFill>
-                <a:effectLst/>
-                <a:latin typeface="Microsoft JhengHei" panose="020B0604030504040204" pitchFamily="34" charset="-120"/>
-                <a:ea typeface="Microsoft JhengHei" panose="020B0604030504040204" pitchFamily="34" charset="-120"/>
-              </a:rPr>
-              <a:t> </a:t>
-            </a:r>
-            <a:r>
-              <a:rPr lang="en-US" sz="4400" b="1" dirty="0">
-                <a:solidFill>
-                  <a:srgbClr val="000066"/>
-                </a:solidFill>
-                <a:effectLst/>
                 <a:latin typeface="Microsoft JhengHei" panose="020B0604030504040204" pitchFamily="34" charset="-120"/>
                 <a:ea typeface="Microsoft JhengHei" panose="020B0604030504040204" pitchFamily="34" charset="-120"/>
               </a:rPr>
               <a:t>)</a:t>
             </a:r>
-            <a:endParaRPr lang="vi-VN" sz="4400" b="1" dirty="0">
+            <a:endParaRPr lang="vi-VN" sz="3600" b="1" dirty="0">
               <a:solidFill>
                 <a:srgbClr val="000066"/>
               </a:solidFill>
-              <a:effectLst/>
               <a:ea typeface="Microsoft JhengHei" panose="020B0604030504040204" pitchFamily="34" charset="-120"/>
             </a:endParaRPr>
           </a:p>
